--- a/CS584_Team39_Presentation1.pptx
+++ b/CS584_Team39_Presentation1.pptx
@@ -11,6 +11,11 @@
     <p:sldId id="260" r:id="rId5"/>
     <p:sldId id="261" r:id="rId6"/>
     <p:sldId id="262" r:id="rId7"/>
+    <p:sldId id="263" r:id="rId8"/>
+    <p:sldId id="264" r:id="rId9"/>
+    <p:sldId id="265" r:id="rId10"/>
+    <p:sldId id="266" r:id="rId11"/>
+    <p:sldId id="267" r:id="rId12"/>
   </p:sldIdLst>
   <p:sldSz cx="12192000" cy="6858000"/>
   <p:notesSz cx="6858000" cy="9144000"/>
@@ -164,6 +169,7 @@
           </a:p>
         </c:rich>
       </c:tx>
+      <c:layout/>
       <c:overlay val="0"/>
       <c:spPr>
         <a:noFill/>
@@ -826,6 +832,7 @@
     </c:plotArea>
     <c:legend>
       <c:legendPos val="b"/>
+      <c:layout/>
       <c:overlay val="0"/>
       <c:spPr>
         <a:noFill/>
@@ -5105,6 +5112,262 @@
 </p:sld>
 </file>
 
+<file path=ppt/slides/slide10.xml><?xml version="1.0" encoding="utf-8"?>
+<p:sld xmlns:a="http://schemas.openxmlformats.org/drawingml/2006/main" xmlns:r="http://schemas.openxmlformats.org/officeDocument/2006/relationships" xmlns:p="http://schemas.openxmlformats.org/presentationml/2006/main">
+  <p:cSld>
+    <p:spTree>
+      <p:nvGrpSpPr>
+        <p:cNvPr id="1" name=""/>
+        <p:cNvGrpSpPr/>
+        <p:nvPr/>
+      </p:nvGrpSpPr>
+      <p:grpSpPr>
+        <a:xfrm>
+          <a:off x="0" y="0"/>
+          <a:ext cx="0" cy="0"/>
+          <a:chOff x="0" y="0"/>
+          <a:chExt cx="0" cy="0"/>
+        </a:xfrm>
+      </p:grpSpPr>
+      <p:sp>
+        <p:nvSpPr>
+          <p:cNvPr id="2" name="标题 1"/>
+          <p:cNvSpPr>
+            <a:spLocks noGrp="1"/>
+          </p:cNvSpPr>
+          <p:nvPr>
+            <p:ph type="title"/>
+          </p:nvPr>
+        </p:nvSpPr>
+        <p:spPr/>
+        <p:txBody>
+          <a:bodyPr/>
+          <a:lstStyle/>
+          <a:p>
+            <a:r>
+              <a:rPr lang="en-US" altLang="zh-CN" dirty="0"/>
+              <a:t>Baseline model’s </a:t>
+            </a:r>
+            <a:r>
+              <a:rPr lang="en-US" altLang="zh-CN" dirty="0" err="1"/>
+              <a:t>shotcommings</a:t>
+            </a:r>
+            <a:r>
+              <a:rPr lang="en-US" altLang="zh-CN" dirty="0"/>
+              <a:t> </a:t>
+            </a:r>
+            <a:r>
+              <a:rPr lang="zh-CN" altLang="en-US" dirty="0"/>
+              <a:t>（</a:t>
+            </a:r>
+            <a:r>
+              <a:rPr lang="en-US" altLang="zh-CN" dirty="0"/>
+              <a:t>2</a:t>
+            </a:r>
+            <a:r>
+              <a:rPr lang="zh-CN" altLang="en-US" dirty="0"/>
+              <a:t>）</a:t>
+            </a:r>
+          </a:p>
+        </p:txBody>
+      </p:sp>
+      <p:pic>
+        <p:nvPicPr>
+          <p:cNvPr id="4" name="内容占位符 3" descr="D:\MyData\tujh\AppData\Local\Temp\1637505427(1).png"/>
+          <p:cNvPicPr>
+            <a:picLocks noGrp="1"/>
+          </p:cNvPicPr>
+          <p:nvPr>
+            <p:ph idx="1"/>
+          </p:nvPr>
+        </p:nvPicPr>
+        <p:blipFill>
+          <a:blip r:embed="rId2">
+            <a:extLst>
+              <a:ext uri="{28A0092B-C50C-407E-A947-70E740481C1C}">
+                <a14:useLocalDpi xmlns:a14="http://schemas.microsoft.com/office/drawing/2010/main" val="0"/>
+              </a:ext>
+            </a:extLst>
+          </a:blip>
+          <a:srcRect/>
+          <a:stretch>
+            <a:fillRect/>
+          </a:stretch>
+        </p:blipFill>
+        <p:spPr bwMode="auto">
+          <a:xfrm>
+            <a:off x="6764315" y="2385260"/>
+            <a:ext cx="3078747" cy="3025402"/>
+          </a:xfrm>
+          <a:prstGeom prst="rect">
+            <a:avLst/>
+          </a:prstGeom>
+          <a:noFill/>
+          <a:ln>
+            <a:noFill/>
+          </a:ln>
+        </p:spPr>
+      </p:pic>
+      <p:sp>
+        <p:nvSpPr>
+          <p:cNvPr id="5" name="矩形 4"/>
+          <p:cNvSpPr/>
+          <p:nvPr/>
+        </p:nvSpPr>
+        <p:spPr>
+          <a:xfrm>
+            <a:off x="1767442" y="3115071"/>
+            <a:ext cx="4374740" cy="1754326"/>
+          </a:xfrm>
+          <a:prstGeom prst="rect">
+            <a:avLst/>
+          </a:prstGeom>
+        </p:spPr>
+        <p:txBody>
+          <a:bodyPr wrap="square">
+            <a:spAutoFit/>
+          </a:bodyPr>
+          <a:lstStyle/>
+          <a:p>
+            <a:r>
+              <a:rPr lang="en-US" altLang="zh-CN" dirty="0"/>
+              <a:t>Baseline model simply merge the character into script </a:t>
+            </a:r>
+            <a:r>
+              <a:rPr lang="en-US" altLang="zh-CN" dirty="0" smtClean="0"/>
+              <a:t>text as a single sentence,  and make classification for the sentence.</a:t>
+            </a:r>
+          </a:p>
+          <a:p>
+            <a:endParaRPr lang="en-US" altLang="zh-CN" dirty="0"/>
+          </a:p>
+          <a:p>
+            <a:r>
+              <a:rPr lang="en-US" altLang="zh-CN" dirty="0" smtClean="0"/>
+              <a:t>But actually character is key to the prediction.</a:t>
+            </a:r>
+            <a:endParaRPr lang="zh-CN" altLang="en-US" dirty="0"/>
+          </a:p>
+        </p:txBody>
+      </p:sp>
+    </p:spTree>
+    <p:extLst>
+      <p:ext uri="{BB962C8B-B14F-4D97-AF65-F5344CB8AC3E}">
+        <p14:creationId xmlns:p14="http://schemas.microsoft.com/office/powerpoint/2010/main" val="2621855770"/>
+      </p:ext>
+    </p:extLst>
+  </p:cSld>
+  <p:clrMapOvr>
+    <a:masterClrMapping/>
+  </p:clrMapOvr>
+</p:sld>
+</file>
+
+<file path=ppt/slides/slide11.xml><?xml version="1.0" encoding="utf-8"?>
+<p:sld xmlns:a="http://schemas.openxmlformats.org/drawingml/2006/main" xmlns:r="http://schemas.openxmlformats.org/officeDocument/2006/relationships" xmlns:p="http://schemas.openxmlformats.org/presentationml/2006/main">
+  <p:cSld>
+    <p:spTree>
+      <p:nvGrpSpPr>
+        <p:cNvPr id="1" name=""/>
+        <p:cNvGrpSpPr/>
+        <p:nvPr/>
+      </p:nvGrpSpPr>
+      <p:grpSpPr>
+        <a:xfrm>
+          <a:off x="0" y="0"/>
+          <a:ext cx="0" cy="0"/>
+          <a:chOff x="0" y="0"/>
+          <a:chExt cx="0" cy="0"/>
+        </a:xfrm>
+      </p:grpSpPr>
+      <p:sp>
+        <p:nvSpPr>
+          <p:cNvPr id="2" name="标题 1"/>
+          <p:cNvSpPr>
+            <a:spLocks noGrp="1"/>
+          </p:cNvSpPr>
+          <p:nvPr>
+            <p:ph type="title"/>
+          </p:nvPr>
+        </p:nvSpPr>
+        <p:spPr/>
+        <p:txBody>
+          <a:bodyPr/>
+          <a:lstStyle/>
+          <a:p>
+            <a:r>
+              <a:rPr lang="en-US" altLang="zh-CN" dirty="0"/>
+              <a:t>Baseline model’s </a:t>
+            </a:r>
+            <a:r>
+              <a:rPr lang="en-US" altLang="zh-CN" dirty="0" err="1"/>
+              <a:t>shotcommings</a:t>
+            </a:r>
+            <a:r>
+              <a:rPr lang="en-US" altLang="zh-CN" dirty="0"/>
+              <a:t> </a:t>
+            </a:r>
+            <a:r>
+              <a:rPr lang="zh-CN" altLang="en-US" dirty="0" smtClean="0"/>
+              <a:t>（</a:t>
+            </a:r>
+            <a:r>
+              <a:rPr lang="en-US" altLang="zh-CN" dirty="0" smtClean="0"/>
+              <a:t>3</a:t>
+            </a:r>
+            <a:r>
+              <a:rPr lang="zh-CN" altLang="en-US" dirty="0" smtClean="0"/>
+              <a:t>）</a:t>
+            </a:r>
+            <a:endParaRPr lang="zh-CN" altLang="en-US" dirty="0"/>
+          </a:p>
+        </p:txBody>
+      </p:sp>
+      <p:sp>
+        <p:nvSpPr>
+          <p:cNvPr id="3" name="内容占位符 2"/>
+          <p:cNvSpPr>
+            <a:spLocks noGrp="1"/>
+          </p:cNvSpPr>
+          <p:nvPr>
+            <p:ph idx="1"/>
+          </p:nvPr>
+        </p:nvSpPr>
+        <p:spPr/>
+        <p:txBody>
+          <a:bodyPr/>
+          <a:lstStyle/>
+          <a:p>
+            <a:endParaRPr lang="en-US" altLang="zh-CN" dirty="0" smtClean="0"/>
+          </a:p>
+          <a:p>
+            <a:r>
+              <a:rPr lang="en-US" altLang="zh-CN" dirty="0" smtClean="0"/>
+              <a:t>Baseline model doesn’t use the context, it input only one sentence and predict the emotion</a:t>
+            </a:r>
+          </a:p>
+          <a:p>
+            <a:r>
+              <a:rPr lang="en-US" altLang="zh-CN" dirty="0" smtClean="0"/>
+              <a:t>Sometimes the historic sentences helps to predict the emotion.</a:t>
+            </a:r>
+            <a:endParaRPr lang="zh-CN" altLang="en-US" dirty="0"/>
+          </a:p>
+        </p:txBody>
+      </p:sp>
+    </p:spTree>
+    <p:extLst>
+      <p:ext uri="{BB962C8B-B14F-4D97-AF65-F5344CB8AC3E}">
+        <p14:creationId xmlns:p14="http://schemas.microsoft.com/office/powerpoint/2010/main" val="1710844676"/>
+      </p:ext>
+    </p:extLst>
+  </p:cSld>
+  <p:clrMapOvr>
+    <a:masterClrMapping/>
+  </p:clrMapOvr>
+</p:sld>
+</file>
+
 <file path=ppt/slides/slide2.xml><?xml version="1.0" encoding="utf-8"?>
 <p:sld xmlns:a="http://schemas.openxmlformats.org/drawingml/2006/main" xmlns:r="http://schemas.openxmlformats.org/officeDocument/2006/relationships" xmlns:p="http://schemas.openxmlformats.org/presentationml/2006/main">
   <p:cSld>
@@ -5604,7 +5867,7 @@
         </p:spPr>
         <p:txBody>
           <a:bodyPr>
-            <a:normAutofit fontScale="92500" lnSpcReduction="10000"/>
+            <a:normAutofit fontScale="92500" lnSpcReduction="20000"/>
           </a:bodyPr>
           <a:lstStyle/>
           <a:p>
@@ -5687,6 +5950,354 @@
     <p:extLst>
       <p:ext uri="{BB962C8B-B14F-4D97-AF65-F5344CB8AC3E}">
         <p14:creationId xmlns:p14="http://schemas.microsoft.com/office/powerpoint/2010/main" val="2048220174"/>
+      </p:ext>
+    </p:extLst>
+  </p:cSld>
+  <p:clrMapOvr>
+    <a:masterClrMapping/>
+  </p:clrMapOvr>
+</p:sld>
+</file>
+
+<file path=ppt/slides/slide7.xml><?xml version="1.0" encoding="utf-8"?>
+<p:sld xmlns:a="http://schemas.openxmlformats.org/drawingml/2006/main" xmlns:r="http://schemas.openxmlformats.org/officeDocument/2006/relationships" xmlns:p="http://schemas.openxmlformats.org/presentationml/2006/main">
+  <p:cSld>
+    <p:spTree>
+      <p:nvGrpSpPr>
+        <p:cNvPr id="1" name=""/>
+        <p:cNvGrpSpPr/>
+        <p:nvPr/>
+      </p:nvGrpSpPr>
+      <p:grpSpPr>
+        <a:xfrm>
+          <a:off x="0" y="0"/>
+          <a:ext cx="0" cy="0"/>
+          <a:chOff x="0" y="0"/>
+          <a:chExt cx="0" cy="0"/>
+        </a:xfrm>
+      </p:grpSpPr>
+      <p:sp>
+        <p:nvSpPr>
+          <p:cNvPr id="2" name="标题 1"/>
+          <p:cNvSpPr>
+            <a:spLocks noGrp="1"/>
+          </p:cNvSpPr>
+          <p:nvPr>
+            <p:ph type="title"/>
+          </p:nvPr>
+        </p:nvSpPr>
+        <p:spPr/>
+        <p:txBody>
+          <a:bodyPr/>
+          <a:lstStyle/>
+          <a:p>
+            <a:r>
+              <a:rPr lang="en-US" altLang="zh-CN" dirty="0" smtClean="0"/>
+              <a:t>Baseline model’s </a:t>
+            </a:r>
+            <a:r>
+              <a:rPr lang="en-US" altLang="zh-CN" dirty="0" err="1" smtClean="0"/>
+              <a:t>shotcommings</a:t>
+            </a:r>
+            <a:endParaRPr lang="zh-CN" altLang="en-US" dirty="0"/>
+          </a:p>
+        </p:txBody>
+      </p:sp>
+      <p:sp>
+        <p:nvSpPr>
+          <p:cNvPr id="3" name="内容占位符 2"/>
+          <p:cNvSpPr>
+            <a:spLocks noGrp="1"/>
+          </p:cNvSpPr>
+          <p:nvPr>
+            <p:ph idx="1"/>
+          </p:nvPr>
+        </p:nvSpPr>
+        <p:spPr/>
+        <p:txBody>
+          <a:bodyPr/>
+          <a:lstStyle/>
+          <a:p>
+            <a:r>
+              <a:rPr lang="en-US" altLang="zh-CN" dirty="0" smtClean="0"/>
+              <a:t>Baseline model </a:t>
+            </a:r>
+            <a:r>
+              <a:rPr lang="en-US" altLang="zh-CN" dirty="0" err="1" smtClean="0"/>
+              <a:t>simplifys</a:t>
+            </a:r>
+            <a:r>
+              <a:rPr lang="en-US" altLang="zh-CN" dirty="0" smtClean="0"/>
+              <a:t> the multi-label multi-classification problem as a multi-label binary classification problem. It only gives 0 or 1 for an emotion, and ignores intensity degree of it</a:t>
+            </a:r>
+          </a:p>
+          <a:p>
+            <a:endParaRPr lang="zh-CN" altLang="en-US" dirty="0"/>
+          </a:p>
+        </p:txBody>
+      </p:sp>
+      <p:pic>
+        <p:nvPicPr>
+          <p:cNvPr id="4" name="图片 3"/>
+          <p:cNvPicPr>
+            <a:picLocks noChangeAspect="1"/>
+          </p:cNvPicPr>
+          <p:nvPr/>
+        </p:nvPicPr>
+        <p:blipFill>
+          <a:blip r:embed="rId2">
+            <a:extLst>
+              <a:ext uri="{28A0092B-C50C-407E-A947-70E740481C1C}">
+                <a14:useLocalDpi xmlns:a14="http://schemas.microsoft.com/office/drawing/2010/main" val="0"/>
+              </a:ext>
+            </a:extLst>
+          </a:blip>
+          <a:stretch>
+            <a:fillRect/>
+          </a:stretch>
+        </p:blipFill>
+        <p:spPr>
+          <a:xfrm>
+            <a:off x="2313473" y="3098916"/>
+            <a:ext cx="8100762" cy="2636748"/>
+          </a:xfrm>
+          <a:prstGeom prst="rect">
+            <a:avLst/>
+          </a:prstGeom>
+        </p:spPr>
+      </p:pic>
+    </p:spTree>
+    <p:extLst>
+      <p:ext uri="{BB962C8B-B14F-4D97-AF65-F5344CB8AC3E}">
+        <p14:creationId xmlns:p14="http://schemas.microsoft.com/office/powerpoint/2010/main" val="13369820"/>
+      </p:ext>
+    </p:extLst>
+  </p:cSld>
+  <p:clrMapOvr>
+    <a:masterClrMapping/>
+  </p:clrMapOvr>
+</p:sld>
+</file>
+
+<file path=ppt/slides/slide8.xml><?xml version="1.0" encoding="utf-8"?>
+<p:sld xmlns:a="http://schemas.openxmlformats.org/drawingml/2006/main" xmlns:r="http://schemas.openxmlformats.org/officeDocument/2006/relationships" xmlns:p="http://schemas.openxmlformats.org/presentationml/2006/main">
+  <p:cSld>
+    <p:spTree>
+      <p:nvGrpSpPr>
+        <p:cNvPr id="1" name=""/>
+        <p:cNvGrpSpPr/>
+        <p:nvPr/>
+      </p:nvGrpSpPr>
+      <p:grpSpPr>
+        <a:xfrm>
+          <a:off x="0" y="0"/>
+          <a:ext cx="0" cy="0"/>
+          <a:chOff x="0" y="0"/>
+          <a:chExt cx="0" cy="0"/>
+        </a:xfrm>
+      </p:grpSpPr>
+      <p:sp>
+        <p:nvSpPr>
+          <p:cNvPr id="2" name="标题 1"/>
+          <p:cNvSpPr>
+            <a:spLocks noGrp="1"/>
+          </p:cNvSpPr>
+          <p:nvPr>
+            <p:ph type="title"/>
+          </p:nvPr>
+        </p:nvSpPr>
+        <p:spPr/>
+        <p:txBody>
+          <a:bodyPr/>
+          <a:lstStyle/>
+          <a:p>
+            <a:r>
+              <a:rPr lang="en-US" altLang="zh-CN" dirty="0"/>
+              <a:t>Baseline model’s </a:t>
+            </a:r>
+            <a:r>
+              <a:rPr lang="en-US" altLang="zh-CN" dirty="0" err="1" smtClean="0"/>
+              <a:t>shotcommings</a:t>
+            </a:r>
+            <a:r>
+              <a:rPr lang="en-US" altLang="zh-CN" dirty="0" smtClean="0"/>
+              <a:t> </a:t>
+            </a:r>
+            <a:r>
+              <a:rPr lang="zh-CN" altLang="en-US" dirty="0" smtClean="0"/>
+              <a:t>（</a:t>
+            </a:r>
+            <a:r>
+              <a:rPr lang="en-US" altLang="zh-CN" dirty="0" smtClean="0"/>
+              <a:t>1</a:t>
+            </a:r>
+            <a:r>
+              <a:rPr lang="zh-CN" altLang="en-US" dirty="0" smtClean="0"/>
+              <a:t>）</a:t>
+            </a:r>
+            <a:endParaRPr lang="zh-CN" altLang="en-US" dirty="0"/>
+          </a:p>
+        </p:txBody>
+      </p:sp>
+      <p:pic>
+        <p:nvPicPr>
+          <p:cNvPr id="4" name="内容占位符 3"/>
+          <p:cNvPicPr>
+            <a:picLocks noGrp="1" noChangeAspect="1"/>
+          </p:cNvPicPr>
+          <p:nvPr>
+            <p:ph idx="1"/>
+          </p:nvPr>
+        </p:nvPicPr>
+        <p:blipFill>
+          <a:blip r:embed="rId2">
+            <a:extLst>
+              <a:ext uri="{28A0092B-C50C-407E-A947-70E740481C1C}">
+                <a14:useLocalDpi xmlns:a14="http://schemas.microsoft.com/office/drawing/2010/main" val="0"/>
+              </a:ext>
+            </a:extLst>
+          </a:blip>
+          <a:stretch>
+            <a:fillRect/>
+          </a:stretch>
+        </p:blipFill>
+        <p:spPr>
+          <a:xfrm>
+            <a:off x="2042015" y="2016125"/>
+            <a:ext cx="8422294" cy="3449638"/>
+          </a:xfrm>
+        </p:spPr>
+      </p:pic>
+    </p:spTree>
+    <p:extLst>
+      <p:ext uri="{BB962C8B-B14F-4D97-AF65-F5344CB8AC3E}">
+        <p14:creationId xmlns:p14="http://schemas.microsoft.com/office/powerpoint/2010/main" val="3992474266"/>
+      </p:ext>
+    </p:extLst>
+  </p:cSld>
+  <p:clrMapOvr>
+    <a:masterClrMapping/>
+  </p:clrMapOvr>
+</p:sld>
+</file>
+
+<file path=ppt/slides/slide9.xml><?xml version="1.0" encoding="utf-8"?>
+<p:sld xmlns:a="http://schemas.openxmlformats.org/drawingml/2006/main" xmlns:r="http://schemas.openxmlformats.org/officeDocument/2006/relationships" xmlns:p="http://schemas.openxmlformats.org/presentationml/2006/main">
+  <p:cSld>
+    <p:spTree>
+      <p:nvGrpSpPr>
+        <p:cNvPr id="1" name=""/>
+        <p:cNvGrpSpPr/>
+        <p:nvPr/>
+      </p:nvGrpSpPr>
+      <p:grpSpPr>
+        <a:xfrm>
+          <a:off x="0" y="0"/>
+          <a:ext cx="0" cy="0"/>
+          <a:chOff x="0" y="0"/>
+          <a:chExt cx="0" cy="0"/>
+        </a:xfrm>
+      </p:grpSpPr>
+      <p:sp>
+        <p:nvSpPr>
+          <p:cNvPr id="2" name="标题 1"/>
+          <p:cNvSpPr>
+            <a:spLocks noGrp="1"/>
+          </p:cNvSpPr>
+          <p:nvPr>
+            <p:ph type="title"/>
+          </p:nvPr>
+        </p:nvSpPr>
+        <p:spPr/>
+        <p:txBody>
+          <a:bodyPr/>
+          <a:lstStyle/>
+          <a:p>
+            <a:r>
+              <a:rPr lang="en-US" altLang="zh-CN" dirty="0"/>
+              <a:t>Baseline model’s </a:t>
+            </a:r>
+            <a:r>
+              <a:rPr lang="en-US" altLang="zh-CN" dirty="0" err="1"/>
+              <a:t>shotcommings</a:t>
+            </a:r>
+            <a:r>
+              <a:rPr lang="en-US" altLang="zh-CN" dirty="0"/>
+              <a:t> </a:t>
+            </a:r>
+            <a:r>
+              <a:rPr lang="zh-CN" altLang="en-US" dirty="0" smtClean="0"/>
+              <a:t>（</a:t>
+            </a:r>
+            <a:r>
+              <a:rPr lang="en-US" altLang="zh-CN" dirty="0" smtClean="0"/>
+              <a:t>2</a:t>
+            </a:r>
+            <a:r>
+              <a:rPr lang="zh-CN" altLang="en-US" dirty="0" smtClean="0"/>
+              <a:t>）</a:t>
+            </a:r>
+            <a:endParaRPr lang="zh-CN" altLang="en-US" dirty="0"/>
+          </a:p>
+        </p:txBody>
+      </p:sp>
+      <p:sp>
+        <p:nvSpPr>
+          <p:cNvPr id="3" name="内容占位符 2"/>
+          <p:cNvSpPr>
+            <a:spLocks noGrp="1"/>
+          </p:cNvSpPr>
+          <p:nvPr>
+            <p:ph idx="1"/>
+          </p:nvPr>
+        </p:nvSpPr>
+        <p:spPr/>
+        <p:txBody>
+          <a:bodyPr/>
+          <a:lstStyle/>
+          <a:p>
+            <a:r>
+              <a:rPr lang="en-US" altLang="zh-CN" dirty="0" smtClean="0"/>
+              <a:t>Baseline model simply merge the character into script text,  while the character is the key role to the prediction.</a:t>
+            </a:r>
+            <a:endParaRPr lang="zh-CN" altLang="en-US" dirty="0"/>
+          </a:p>
+        </p:txBody>
+      </p:sp>
+      <p:pic>
+        <p:nvPicPr>
+          <p:cNvPr id="4" name="图片 3"/>
+          <p:cNvPicPr>
+            <a:picLocks noChangeAspect="1"/>
+          </p:cNvPicPr>
+          <p:nvPr/>
+        </p:nvPicPr>
+        <p:blipFill>
+          <a:blip r:embed="rId2">
+            <a:extLst>
+              <a:ext uri="{28A0092B-C50C-407E-A947-70E740481C1C}">
+                <a14:useLocalDpi xmlns:a14="http://schemas.microsoft.com/office/drawing/2010/main" val="0"/>
+              </a:ext>
+            </a:extLst>
+          </a:blip>
+          <a:stretch>
+            <a:fillRect/>
+          </a:stretch>
+        </p:blipFill>
+        <p:spPr>
+          <a:xfrm>
+            <a:off x="1905457" y="2943906"/>
+            <a:ext cx="8085521" cy="2522439"/>
+          </a:xfrm>
+          <a:prstGeom prst="rect">
+            <a:avLst/>
+          </a:prstGeom>
+        </p:spPr>
+      </p:pic>
+    </p:spTree>
+    <p:extLst>
+      <p:ext uri="{BB962C8B-B14F-4D97-AF65-F5344CB8AC3E}">
+        <p14:creationId xmlns:p14="http://schemas.microsoft.com/office/powerpoint/2010/main" val="1939827053"/>
       </p:ext>
     </p:extLst>
   </p:cSld>

--- a/CS584_Team39_Presentation1.pptx
+++ b/CS584_Team39_Presentation1.pptx
@@ -11,11 +11,6 @@
     <p:sldId id="260" r:id="rId5"/>
     <p:sldId id="261" r:id="rId6"/>
     <p:sldId id="262" r:id="rId7"/>
-    <p:sldId id="263" r:id="rId8"/>
-    <p:sldId id="264" r:id="rId9"/>
-    <p:sldId id="265" r:id="rId10"/>
-    <p:sldId id="266" r:id="rId11"/>
-    <p:sldId id="267" r:id="rId12"/>
   </p:sldIdLst>
   <p:sldSz cx="12192000" cy="6858000"/>
   <p:notesSz cx="6858000" cy="9144000"/>
@@ -162,14 +157,13 @@
               </a:defRPr>
             </a:pPr>
             <a:r>
-              <a:rPr lang="en-US"/>
-              <a:t>emotion distribution</a:t>
-            </a:r>
-            <a:endParaRPr lang="zh-CN"/>
+              <a:rPr lang="en-US" dirty="0"/>
+              <a:t>Emotion Distribution</a:t>
+            </a:r>
+            <a:endParaRPr lang="zh-CN" dirty="0"/>
           </a:p>
         </c:rich>
       </c:tx>
-      <c:layout/>
       <c:overlay val="0"/>
       <c:spPr>
         <a:noFill/>
@@ -832,7 +826,6 @@
     </c:plotArea>
     <c:legend>
       <c:legendPos val="b"/>
-      <c:layout/>
       <c:overlay val="0"/>
       <c:spPr>
         <a:noFill/>
@@ -1582,7 +1575,7 @@
           <a:p>
             <a:fld id="{61392B5E-3876-488C-A1D9-164D806FCDAD}" type="datetimeFigureOut">
               <a:rPr lang="zh-CN" altLang="en-US" smtClean="0"/>
-              <a:t>2021/11/24</a:t>
+              <a:t>2021/11/26</a:t>
             </a:fld>
             <a:endParaRPr lang="zh-CN" altLang="en-US"/>
           </a:p>
@@ -1793,7 +1786,7 @@
           <a:p>
             <a:fld id="{61392B5E-3876-488C-A1D9-164D806FCDAD}" type="datetimeFigureOut">
               <a:rPr lang="zh-CN" altLang="en-US" smtClean="0"/>
-              <a:t>2021/11/24</a:t>
+              <a:t>2021/11/26</a:t>
             </a:fld>
             <a:endParaRPr lang="zh-CN" altLang="en-US"/>
           </a:p>
@@ -2008,7 +2001,7 @@
           <a:p>
             <a:fld id="{61392B5E-3876-488C-A1D9-164D806FCDAD}" type="datetimeFigureOut">
               <a:rPr lang="zh-CN" altLang="en-US" smtClean="0"/>
-              <a:t>2021/11/24</a:t>
+              <a:t>2021/11/26</a:t>
             </a:fld>
             <a:endParaRPr lang="zh-CN" altLang="en-US"/>
           </a:p>
@@ -2209,7 +2202,7 @@
           <a:p>
             <a:fld id="{61392B5E-3876-488C-A1D9-164D806FCDAD}" type="datetimeFigureOut">
               <a:rPr lang="zh-CN" altLang="en-US" smtClean="0"/>
-              <a:t>2021/11/24</a:t>
+              <a:t>2021/11/26</a:t>
             </a:fld>
             <a:endParaRPr lang="zh-CN" altLang="en-US"/>
           </a:p>
@@ -2488,7 +2481,7 @@
           <a:p>
             <a:fld id="{61392B5E-3876-488C-A1D9-164D806FCDAD}" type="datetimeFigureOut">
               <a:rPr lang="zh-CN" altLang="en-US" smtClean="0"/>
-              <a:t>2021/11/24</a:t>
+              <a:t>2021/11/26</a:t>
             </a:fld>
             <a:endParaRPr lang="zh-CN" altLang="en-US"/>
           </a:p>
@@ -2756,7 +2749,7 @@
           <a:p>
             <a:fld id="{61392B5E-3876-488C-A1D9-164D806FCDAD}" type="datetimeFigureOut">
               <a:rPr lang="zh-CN" altLang="en-US" smtClean="0"/>
-              <a:t>2021/11/24</a:t>
+              <a:t>2021/11/26</a:t>
             </a:fld>
             <a:endParaRPr lang="zh-CN" altLang="en-US"/>
           </a:p>
@@ -3172,7 +3165,7 @@
           <a:p>
             <a:fld id="{61392B5E-3876-488C-A1D9-164D806FCDAD}" type="datetimeFigureOut">
               <a:rPr lang="zh-CN" altLang="en-US" smtClean="0"/>
-              <a:t>2021/11/24</a:t>
+              <a:t>2021/11/26</a:t>
             </a:fld>
             <a:endParaRPr lang="zh-CN" altLang="en-US"/>
           </a:p>
@@ -3321,7 +3314,7 @@
           <a:p>
             <a:fld id="{61392B5E-3876-488C-A1D9-164D806FCDAD}" type="datetimeFigureOut">
               <a:rPr lang="zh-CN" altLang="en-US" smtClean="0"/>
-              <a:t>2021/11/24</a:t>
+              <a:t>2021/11/26</a:t>
             </a:fld>
             <a:endParaRPr lang="zh-CN" altLang="en-US"/>
           </a:p>
@@ -3447,7 +3440,7 @@
           <a:p>
             <a:fld id="{61392B5E-3876-488C-A1D9-164D806FCDAD}" type="datetimeFigureOut">
               <a:rPr lang="zh-CN" altLang="en-US" smtClean="0"/>
-              <a:t>2021/11/24</a:t>
+              <a:t>2021/11/26</a:t>
             </a:fld>
             <a:endParaRPr lang="zh-CN" altLang="en-US"/>
           </a:p>
@@ -3698,7 +3691,7 @@
           <a:p>
             <a:fld id="{61392B5E-3876-488C-A1D9-164D806FCDAD}" type="datetimeFigureOut">
               <a:rPr lang="zh-CN" altLang="en-US" smtClean="0"/>
-              <a:t>2021/11/24</a:t>
+              <a:t>2021/11/26</a:t>
             </a:fld>
             <a:endParaRPr lang="zh-CN" altLang="en-US"/>
           </a:p>
@@ -4143,7 +4136,7 @@
           <a:p>
             <a:fld id="{61392B5E-3876-488C-A1D9-164D806FCDAD}" type="datetimeFigureOut">
               <a:rPr lang="zh-CN" altLang="en-US" smtClean="0"/>
-              <a:t>2021/11/24</a:t>
+              <a:t>2021/11/26</a:t>
             </a:fld>
             <a:endParaRPr lang="zh-CN" altLang="en-US"/>
           </a:p>
@@ -4470,7 +4463,7 @@
           <a:p>
             <a:fld id="{61392B5E-3876-488C-A1D9-164D806FCDAD}" type="datetimeFigureOut">
               <a:rPr lang="zh-CN" altLang="en-US" smtClean="0"/>
-              <a:t>2021/11/24</a:t>
+              <a:t>2021/11/26</a:t>
             </a:fld>
             <a:endParaRPr lang="zh-CN" altLang="en-US"/>
           </a:p>
@@ -5112,262 +5105,6 @@
 </p:sld>
 </file>
 
-<file path=ppt/slides/slide10.xml><?xml version="1.0" encoding="utf-8"?>
-<p:sld xmlns:a="http://schemas.openxmlformats.org/drawingml/2006/main" xmlns:r="http://schemas.openxmlformats.org/officeDocument/2006/relationships" xmlns:p="http://schemas.openxmlformats.org/presentationml/2006/main">
-  <p:cSld>
-    <p:spTree>
-      <p:nvGrpSpPr>
-        <p:cNvPr id="1" name=""/>
-        <p:cNvGrpSpPr/>
-        <p:nvPr/>
-      </p:nvGrpSpPr>
-      <p:grpSpPr>
-        <a:xfrm>
-          <a:off x="0" y="0"/>
-          <a:ext cx="0" cy="0"/>
-          <a:chOff x="0" y="0"/>
-          <a:chExt cx="0" cy="0"/>
-        </a:xfrm>
-      </p:grpSpPr>
-      <p:sp>
-        <p:nvSpPr>
-          <p:cNvPr id="2" name="标题 1"/>
-          <p:cNvSpPr>
-            <a:spLocks noGrp="1"/>
-          </p:cNvSpPr>
-          <p:nvPr>
-            <p:ph type="title"/>
-          </p:nvPr>
-        </p:nvSpPr>
-        <p:spPr/>
-        <p:txBody>
-          <a:bodyPr/>
-          <a:lstStyle/>
-          <a:p>
-            <a:r>
-              <a:rPr lang="en-US" altLang="zh-CN" dirty="0"/>
-              <a:t>Baseline model’s </a:t>
-            </a:r>
-            <a:r>
-              <a:rPr lang="en-US" altLang="zh-CN" dirty="0" err="1"/>
-              <a:t>shotcommings</a:t>
-            </a:r>
-            <a:r>
-              <a:rPr lang="en-US" altLang="zh-CN" dirty="0"/>
-              <a:t> </a:t>
-            </a:r>
-            <a:r>
-              <a:rPr lang="zh-CN" altLang="en-US" dirty="0"/>
-              <a:t>（</a:t>
-            </a:r>
-            <a:r>
-              <a:rPr lang="en-US" altLang="zh-CN" dirty="0"/>
-              <a:t>2</a:t>
-            </a:r>
-            <a:r>
-              <a:rPr lang="zh-CN" altLang="en-US" dirty="0"/>
-              <a:t>）</a:t>
-            </a:r>
-          </a:p>
-        </p:txBody>
-      </p:sp>
-      <p:pic>
-        <p:nvPicPr>
-          <p:cNvPr id="4" name="内容占位符 3" descr="D:\MyData\tujh\AppData\Local\Temp\1637505427(1).png"/>
-          <p:cNvPicPr>
-            <a:picLocks noGrp="1"/>
-          </p:cNvPicPr>
-          <p:nvPr>
-            <p:ph idx="1"/>
-          </p:nvPr>
-        </p:nvPicPr>
-        <p:blipFill>
-          <a:blip r:embed="rId2">
-            <a:extLst>
-              <a:ext uri="{28A0092B-C50C-407E-A947-70E740481C1C}">
-                <a14:useLocalDpi xmlns:a14="http://schemas.microsoft.com/office/drawing/2010/main" val="0"/>
-              </a:ext>
-            </a:extLst>
-          </a:blip>
-          <a:srcRect/>
-          <a:stretch>
-            <a:fillRect/>
-          </a:stretch>
-        </p:blipFill>
-        <p:spPr bwMode="auto">
-          <a:xfrm>
-            <a:off x="6764315" y="2385260"/>
-            <a:ext cx="3078747" cy="3025402"/>
-          </a:xfrm>
-          <a:prstGeom prst="rect">
-            <a:avLst/>
-          </a:prstGeom>
-          <a:noFill/>
-          <a:ln>
-            <a:noFill/>
-          </a:ln>
-        </p:spPr>
-      </p:pic>
-      <p:sp>
-        <p:nvSpPr>
-          <p:cNvPr id="5" name="矩形 4"/>
-          <p:cNvSpPr/>
-          <p:nvPr/>
-        </p:nvSpPr>
-        <p:spPr>
-          <a:xfrm>
-            <a:off x="1767442" y="3115071"/>
-            <a:ext cx="4374740" cy="1754326"/>
-          </a:xfrm>
-          <a:prstGeom prst="rect">
-            <a:avLst/>
-          </a:prstGeom>
-        </p:spPr>
-        <p:txBody>
-          <a:bodyPr wrap="square">
-            <a:spAutoFit/>
-          </a:bodyPr>
-          <a:lstStyle/>
-          <a:p>
-            <a:r>
-              <a:rPr lang="en-US" altLang="zh-CN" dirty="0"/>
-              <a:t>Baseline model simply merge the character into script </a:t>
-            </a:r>
-            <a:r>
-              <a:rPr lang="en-US" altLang="zh-CN" dirty="0" smtClean="0"/>
-              <a:t>text as a single sentence,  and make classification for the sentence.</a:t>
-            </a:r>
-          </a:p>
-          <a:p>
-            <a:endParaRPr lang="en-US" altLang="zh-CN" dirty="0"/>
-          </a:p>
-          <a:p>
-            <a:r>
-              <a:rPr lang="en-US" altLang="zh-CN" dirty="0" smtClean="0"/>
-              <a:t>But actually character is key to the prediction.</a:t>
-            </a:r>
-            <a:endParaRPr lang="zh-CN" altLang="en-US" dirty="0"/>
-          </a:p>
-        </p:txBody>
-      </p:sp>
-    </p:spTree>
-    <p:extLst>
-      <p:ext uri="{BB962C8B-B14F-4D97-AF65-F5344CB8AC3E}">
-        <p14:creationId xmlns:p14="http://schemas.microsoft.com/office/powerpoint/2010/main" val="2621855770"/>
-      </p:ext>
-    </p:extLst>
-  </p:cSld>
-  <p:clrMapOvr>
-    <a:masterClrMapping/>
-  </p:clrMapOvr>
-</p:sld>
-</file>
-
-<file path=ppt/slides/slide11.xml><?xml version="1.0" encoding="utf-8"?>
-<p:sld xmlns:a="http://schemas.openxmlformats.org/drawingml/2006/main" xmlns:r="http://schemas.openxmlformats.org/officeDocument/2006/relationships" xmlns:p="http://schemas.openxmlformats.org/presentationml/2006/main">
-  <p:cSld>
-    <p:spTree>
-      <p:nvGrpSpPr>
-        <p:cNvPr id="1" name=""/>
-        <p:cNvGrpSpPr/>
-        <p:nvPr/>
-      </p:nvGrpSpPr>
-      <p:grpSpPr>
-        <a:xfrm>
-          <a:off x="0" y="0"/>
-          <a:ext cx="0" cy="0"/>
-          <a:chOff x="0" y="0"/>
-          <a:chExt cx="0" cy="0"/>
-        </a:xfrm>
-      </p:grpSpPr>
-      <p:sp>
-        <p:nvSpPr>
-          <p:cNvPr id="2" name="标题 1"/>
-          <p:cNvSpPr>
-            <a:spLocks noGrp="1"/>
-          </p:cNvSpPr>
-          <p:nvPr>
-            <p:ph type="title"/>
-          </p:nvPr>
-        </p:nvSpPr>
-        <p:spPr/>
-        <p:txBody>
-          <a:bodyPr/>
-          <a:lstStyle/>
-          <a:p>
-            <a:r>
-              <a:rPr lang="en-US" altLang="zh-CN" dirty="0"/>
-              <a:t>Baseline model’s </a:t>
-            </a:r>
-            <a:r>
-              <a:rPr lang="en-US" altLang="zh-CN" dirty="0" err="1"/>
-              <a:t>shotcommings</a:t>
-            </a:r>
-            <a:r>
-              <a:rPr lang="en-US" altLang="zh-CN" dirty="0"/>
-              <a:t> </a:t>
-            </a:r>
-            <a:r>
-              <a:rPr lang="zh-CN" altLang="en-US" dirty="0" smtClean="0"/>
-              <a:t>（</a:t>
-            </a:r>
-            <a:r>
-              <a:rPr lang="en-US" altLang="zh-CN" dirty="0" smtClean="0"/>
-              <a:t>3</a:t>
-            </a:r>
-            <a:r>
-              <a:rPr lang="zh-CN" altLang="en-US" dirty="0" smtClean="0"/>
-              <a:t>）</a:t>
-            </a:r>
-            <a:endParaRPr lang="zh-CN" altLang="en-US" dirty="0"/>
-          </a:p>
-        </p:txBody>
-      </p:sp>
-      <p:sp>
-        <p:nvSpPr>
-          <p:cNvPr id="3" name="内容占位符 2"/>
-          <p:cNvSpPr>
-            <a:spLocks noGrp="1"/>
-          </p:cNvSpPr>
-          <p:nvPr>
-            <p:ph idx="1"/>
-          </p:nvPr>
-        </p:nvSpPr>
-        <p:spPr/>
-        <p:txBody>
-          <a:bodyPr/>
-          <a:lstStyle/>
-          <a:p>
-            <a:endParaRPr lang="en-US" altLang="zh-CN" dirty="0" smtClean="0"/>
-          </a:p>
-          <a:p>
-            <a:r>
-              <a:rPr lang="en-US" altLang="zh-CN" dirty="0" smtClean="0"/>
-              <a:t>Baseline model doesn’t use the context, it input only one sentence and predict the emotion</a:t>
-            </a:r>
-          </a:p>
-          <a:p>
-            <a:r>
-              <a:rPr lang="en-US" altLang="zh-CN" dirty="0" smtClean="0"/>
-              <a:t>Sometimes the historic sentences helps to predict the emotion.</a:t>
-            </a:r>
-            <a:endParaRPr lang="zh-CN" altLang="en-US" dirty="0"/>
-          </a:p>
-        </p:txBody>
-      </p:sp>
-    </p:spTree>
-    <p:extLst>
-      <p:ext uri="{BB962C8B-B14F-4D97-AF65-F5344CB8AC3E}">
-        <p14:creationId xmlns:p14="http://schemas.microsoft.com/office/powerpoint/2010/main" val="1710844676"/>
-      </p:ext>
-    </p:extLst>
-  </p:cSld>
-  <p:clrMapOvr>
-    <a:masterClrMapping/>
-  </p:clrMapOvr>
-</p:sld>
-</file>
-
 <file path=ppt/slides/slide2.xml><?xml version="1.0" encoding="utf-8"?>
 <p:sld xmlns:a="http://schemas.openxmlformats.org/drawingml/2006/main" xmlns:r="http://schemas.openxmlformats.org/officeDocument/2006/relationships" xmlns:p="http://schemas.openxmlformats.org/presentationml/2006/main">
   <p:cSld>
@@ -5408,7 +5145,7 @@
           <a:p>
             <a:r>
               <a:rPr lang="en-US" altLang="zh-CN" dirty="0"/>
-              <a:t>Abstract</a:t>
+              <a:t>background</a:t>
             </a:r>
             <a:endParaRPr lang="zh-CN" altLang="en-US" dirty="0"/>
           </a:p>
@@ -5437,9 +5174,15 @@
           </a:xfrm>
         </p:spPr>
         <p:txBody>
-          <a:bodyPr/>
+          <a:bodyPr>
+            <a:normAutofit fontScale="92500" lnSpcReduction="20000"/>
+          </a:bodyPr>
           <a:lstStyle/>
           <a:p>
+            <a:pPr marL="342900" indent="-342900">
+              <a:buFont typeface="+mj-lt"/>
+              <a:buAutoNum type="arabicPeriod"/>
+            </a:pPr>
             <a:r>
               <a:rPr lang="en-US" altLang="zh-CN" sz="1800" b="0" i="0" kern="100" dirty="0">
                 <a:solidFill>
@@ -5450,7 +5193,157 @@
                 <a:ea typeface="等线" panose="02010600030101010101" pitchFamily="2" charset="-122"/>
                 <a:cs typeface="Times New Roman" panose="02020603050405020304" pitchFamily="18" charset="0"/>
               </a:rPr>
-              <a:t>This task is to analyze and identify the emotions of each character involved in every dialogue and action description in the script scenes from multiple dimensions. Comparing with traditional sentimental classification task, there are more changes in this task. E</a:t>
+              <a:t>This is a </a:t>
+            </a:r>
+            <a:r>
+              <a:rPr lang="en-US" altLang="zh-CN" sz="1800" b="1" i="0" kern="100" dirty="0">
+                <a:solidFill>
+                  <a:srgbClr val="000000"/>
+                </a:solidFill>
+                <a:effectLst/>
+                <a:latin typeface="NimbusRomNo9L-Regu"/>
+                <a:ea typeface="等线" panose="02010600030101010101" pitchFamily="2" charset="-122"/>
+                <a:cs typeface="Times New Roman" panose="02020603050405020304" pitchFamily="18" charset="0"/>
+              </a:rPr>
+              <a:t>competition task</a:t>
+            </a:r>
+            <a:r>
+              <a:rPr lang="en-US" altLang="zh-CN" sz="1800" b="0" i="0" kern="100" dirty="0">
+                <a:solidFill>
+                  <a:srgbClr val="000000"/>
+                </a:solidFill>
+                <a:effectLst/>
+                <a:latin typeface="NimbusRomNo9L-Regu"/>
+                <a:ea typeface="等线" panose="02010600030101010101" pitchFamily="2" charset="-122"/>
+                <a:cs typeface="Times New Roman" panose="02020603050405020304" pitchFamily="18" charset="0"/>
+              </a:rPr>
+              <a:t>, the preliminary contest is from Sep. to 22nd Nov.</a:t>
+            </a:r>
+          </a:p>
+          <a:p>
+            <a:pPr marL="342900" indent="-342900">
+              <a:buFont typeface="+mj-lt"/>
+              <a:buAutoNum type="arabicPeriod"/>
+            </a:pPr>
+            <a:r>
+              <a:rPr lang="en-US" altLang="zh-CN" sz="1800" b="0" i="0" kern="100" dirty="0">
+                <a:solidFill>
+                  <a:srgbClr val="000000"/>
+                </a:solidFill>
+                <a:effectLst/>
+                <a:latin typeface="NimbusRomNo9L-Regu"/>
+                <a:ea typeface="等线" panose="02010600030101010101" pitchFamily="2" charset="-122"/>
+                <a:cs typeface="Times New Roman" panose="02020603050405020304" pitchFamily="18" charset="0"/>
+              </a:rPr>
+              <a:t>To </a:t>
+            </a:r>
+            <a:r>
+              <a:rPr lang="en-US" altLang="zh-CN" sz="1800" b="1" i="0" kern="100" dirty="0">
+                <a:solidFill>
+                  <a:srgbClr val="000000"/>
+                </a:solidFill>
+                <a:effectLst/>
+                <a:latin typeface="NimbusRomNo9L-Regu"/>
+                <a:ea typeface="等线" panose="02010600030101010101" pitchFamily="2" charset="-122"/>
+                <a:cs typeface="Times New Roman" panose="02020603050405020304" pitchFamily="18" charset="0"/>
+              </a:rPr>
+              <a:t>analyze</a:t>
+            </a:r>
+            <a:r>
+              <a:rPr lang="en-US" altLang="zh-CN" sz="1800" b="0" i="0" kern="100" dirty="0">
+                <a:solidFill>
+                  <a:srgbClr val="000000"/>
+                </a:solidFill>
+                <a:effectLst/>
+                <a:latin typeface="NimbusRomNo9L-Regu"/>
+                <a:ea typeface="等线" panose="02010600030101010101" pitchFamily="2" charset="-122"/>
+                <a:cs typeface="Times New Roman" panose="02020603050405020304" pitchFamily="18" charset="0"/>
+              </a:rPr>
+              <a:t> and </a:t>
+            </a:r>
+            <a:r>
+              <a:rPr lang="en-US" altLang="zh-CN" sz="1800" b="1" i="0" kern="100" dirty="0">
+                <a:solidFill>
+                  <a:srgbClr val="000000"/>
+                </a:solidFill>
+                <a:effectLst/>
+                <a:latin typeface="NimbusRomNo9L-Regu"/>
+                <a:ea typeface="等线" panose="02010600030101010101" pitchFamily="2" charset="-122"/>
+                <a:cs typeface="Times New Roman" panose="02020603050405020304" pitchFamily="18" charset="0"/>
+              </a:rPr>
+              <a:t>identify</a:t>
+            </a:r>
+            <a:r>
+              <a:rPr lang="en-US" altLang="zh-CN" sz="1800" b="0" i="0" kern="100" dirty="0">
+                <a:solidFill>
+                  <a:srgbClr val="000000"/>
+                </a:solidFill>
+                <a:effectLst/>
+                <a:latin typeface="NimbusRomNo9L-Regu"/>
+                <a:ea typeface="等线" panose="02010600030101010101" pitchFamily="2" charset="-122"/>
+                <a:cs typeface="Times New Roman" panose="02020603050405020304" pitchFamily="18" charset="0"/>
+              </a:rPr>
+              <a:t> the emotions of each character involved in every dialogue and action description in the script scenes from multiple dimensions. </a:t>
+            </a:r>
+          </a:p>
+          <a:p>
+            <a:pPr marL="342900" indent="-342900">
+              <a:buFont typeface="+mj-lt"/>
+              <a:buAutoNum type="arabicPeriod"/>
+            </a:pPr>
+            <a:r>
+              <a:rPr lang="en-US" altLang="zh-CN" sz="1800" b="0" i="0" kern="100" dirty="0">
+                <a:solidFill>
+                  <a:srgbClr val="000000"/>
+                </a:solidFill>
+                <a:effectLst/>
+                <a:latin typeface="NimbusRomNo9L-Regu"/>
+                <a:ea typeface="等线" panose="02010600030101010101" pitchFamily="2" charset="-122"/>
+                <a:cs typeface="Times New Roman" panose="02020603050405020304" pitchFamily="18" charset="0"/>
+              </a:rPr>
+              <a:t>Comparing with traditional sentimental classification task, but </a:t>
+            </a:r>
+            <a:r>
+              <a:rPr lang="en-US" altLang="zh-CN" sz="1800" b="1" i="0" kern="100" dirty="0">
+                <a:solidFill>
+                  <a:srgbClr val="000000"/>
+                </a:solidFill>
+                <a:effectLst/>
+                <a:latin typeface="NimbusRomNo9L-Regu"/>
+                <a:ea typeface="等线" panose="02010600030101010101" pitchFamily="2" charset="-122"/>
+                <a:cs typeface="Times New Roman" panose="02020603050405020304" pitchFamily="18" charset="0"/>
+              </a:rPr>
+              <a:t>more changes </a:t>
+            </a:r>
+            <a:r>
+              <a:rPr lang="en-US" altLang="zh-CN" sz="1800" b="0" i="0" kern="100" dirty="0">
+                <a:solidFill>
+                  <a:srgbClr val="000000"/>
+                </a:solidFill>
+                <a:effectLst/>
+                <a:latin typeface="NimbusRomNo9L-Regu"/>
+                <a:ea typeface="等线" panose="02010600030101010101" pitchFamily="2" charset="-122"/>
+                <a:cs typeface="Times New Roman" panose="02020603050405020304" pitchFamily="18" charset="0"/>
+              </a:rPr>
+              <a:t>in this task. </a:t>
+            </a:r>
+          </a:p>
+          <a:p>
+            <a:pPr marL="342900" indent="-342900">
+              <a:buFont typeface="+mj-lt"/>
+              <a:buAutoNum type="arabicPeriod"/>
+            </a:pPr>
+            <a:r>
+              <a:rPr lang="en-US" altLang="zh-CN" sz="1800" b="0" i="0" kern="100" dirty="0">
+                <a:solidFill>
+                  <a:srgbClr val="000000"/>
+                </a:solidFill>
+                <a:effectLst/>
+                <a:latin typeface="NimbusRomNo9L-Regu"/>
+                <a:ea typeface="等线" panose="02010600030101010101" pitchFamily="2" charset="-122"/>
+                <a:cs typeface="Times New Roman" panose="02020603050405020304" pitchFamily="18" charset="0"/>
+              </a:rPr>
+              <a:t>E</a:t>
             </a:r>
             <a:r>
               <a:rPr lang="en-US" altLang="zh-CN" sz="1800" kern="100" dirty="0">
@@ -5459,7 +5352,172 @@
                 <a:ea typeface="等线" panose="02010600030101010101" pitchFamily="2" charset="-122"/>
                 <a:cs typeface="Times New Roman" panose="02020603050405020304" pitchFamily="18" charset="0"/>
               </a:rPr>
-              <a:t>motions are multidimensional, and each emotion has a degree. For example, the degree of happiness ranges from 0 to 5, with 0 being none and 5 being the strongest. A sentence may have a variety of emotions, such as joy, surprise. Emotion classification is for a certain role in a sentence, rather than the whole sentence. A sentence may have multiple roles with different emotions. Considering the property of the task, we tried a few networks which different from what the multi-classifier does.</a:t>
+              <a:t>motions are </a:t>
+            </a:r>
+            <a:r>
+              <a:rPr lang="en-US" altLang="zh-CN" sz="1800" b="1" kern="100" dirty="0">
+                <a:effectLst/>
+                <a:latin typeface="Calibri" panose="020F0502020204030204" pitchFamily="34" charset="0"/>
+                <a:ea typeface="等线" panose="02010600030101010101" pitchFamily="2" charset="-122"/>
+                <a:cs typeface="Times New Roman" panose="02020603050405020304" pitchFamily="18" charset="0"/>
+              </a:rPr>
+              <a:t>multidimensional</a:t>
+            </a:r>
+            <a:r>
+              <a:rPr lang="en-US" altLang="zh-CN" sz="1800" kern="100" dirty="0">
+                <a:effectLst/>
+                <a:latin typeface="Calibri" panose="020F0502020204030204" pitchFamily="34" charset="0"/>
+                <a:ea typeface="等线" panose="02010600030101010101" pitchFamily="2" charset="-122"/>
+                <a:cs typeface="Times New Roman" panose="02020603050405020304" pitchFamily="18" charset="0"/>
+              </a:rPr>
+              <a:t>, each emotion has a degree. </a:t>
+            </a:r>
+          </a:p>
+          <a:p>
+            <a:pPr marL="342900" indent="-342900">
+              <a:buFont typeface="+mj-lt"/>
+              <a:buAutoNum type="arabicPeriod"/>
+            </a:pPr>
+            <a:r>
+              <a:rPr lang="en-US" altLang="zh-CN" sz="1800" kern="100" dirty="0">
+                <a:effectLst/>
+                <a:latin typeface="Calibri" panose="020F0502020204030204" pitchFamily="34" charset="0"/>
+                <a:ea typeface="等线" panose="02010600030101010101" pitchFamily="2" charset="-122"/>
+                <a:cs typeface="Times New Roman" panose="02020603050405020304" pitchFamily="18" charset="0"/>
+              </a:rPr>
+              <a:t>For example, the degree of happiness </a:t>
+            </a:r>
+            <a:r>
+              <a:rPr lang="en-US" altLang="zh-CN" sz="1800" b="1" kern="100" dirty="0">
+                <a:effectLst/>
+                <a:latin typeface="Calibri" panose="020F0502020204030204" pitchFamily="34" charset="0"/>
+                <a:ea typeface="等线" panose="02010600030101010101" pitchFamily="2" charset="-122"/>
+                <a:cs typeface="Times New Roman" panose="02020603050405020304" pitchFamily="18" charset="0"/>
+              </a:rPr>
+              <a:t>ranges from 0 to 3</a:t>
+            </a:r>
+            <a:r>
+              <a:rPr lang="en-US" altLang="zh-CN" sz="1800" kern="100" dirty="0">
+                <a:effectLst/>
+                <a:latin typeface="Calibri" panose="020F0502020204030204" pitchFamily="34" charset="0"/>
+                <a:ea typeface="等线" panose="02010600030101010101" pitchFamily="2" charset="-122"/>
+                <a:cs typeface="Times New Roman" panose="02020603050405020304" pitchFamily="18" charset="0"/>
+              </a:rPr>
+              <a:t>, with 0 being none, 3 being the strongest. </a:t>
+            </a:r>
+          </a:p>
+          <a:p>
+            <a:pPr marL="342900" indent="-342900">
+              <a:buFont typeface="+mj-lt"/>
+              <a:buAutoNum type="arabicPeriod"/>
+            </a:pPr>
+            <a:r>
+              <a:rPr lang="en-US" altLang="zh-CN" sz="1800" kern="100" dirty="0">
+                <a:effectLst/>
+                <a:latin typeface="Calibri" panose="020F0502020204030204" pitchFamily="34" charset="0"/>
+                <a:ea typeface="等线" panose="02010600030101010101" pitchFamily="2" charset="-122"/>
+                <a:cs typeface="Times New Roman" panose="02020603050405020304" pitchFamily="18" charset="0"/>
+              </a:rPr>
+              <a:t>A sentence may have </a:t>
+            </a:r>
+            <a:r>
+              <a:rPr lang="en-US" altLang="zh-CN" sz="1800" b="1" kern="100" dirty="0">
+                <a:effectLst/>
+                <a:latin typeface="Calibri" panose="020F0502020204030204" pitchFamily="34" charset="0"/>
+                <a:ea typeface="等线" panose="02010600030101010101" pitchFamily="2" charset="-122"/>
+                <a:cs typeface="Times New Roman" panose="02020603050405020304" pitchFamily="18" charset="0"/>
+              </a:rPr>
+              <a:t>more than one emotion</a:t>
+            </a:r>
+            <a:r>
+              <a:rPr lang="en-US" altLang="zh-CN" sz="1800" kern="100" dirty="0">
+                <a:effectLst/>
+                <a:latin typeface="Calibri" panose="020F0502020204030204" pitchFamily="34" charset="0"/>
+                <a:ea typeface="等线" panose="02010600030101010101" pitchFamily="2" charset="-122"/>
+                <a:cs typeface="Times New Roman" panose="02020603050405020304" pitchFamily="18" charset="0"/>
+              </a:rPr>
+              <a:t>, such as joy, surprise. </a:t>
+            </a:r>
+          </a:p>
+          <a:p>
+            <a:pPr marL="342900" indent="-342900">
+              <a:buFont typeface="+mj-lt"/>
+              <a:buAutoNum type="arabicPeriod"/>
+            </a:pPr>
+            <a:r>
+              <a:rPr lang="en-US" altLang="zh-CN" sz="1800" kern="100" dirty="0">
+                <a:effectLst/>
+                <a:latin typeface="Calibri" panose="020F0502020204030204" pitchFamily="34" charset="0"/>
+                <a:ea typeface="等线" panose="02010600030101010101" pitchFamily="2" charset="-122"/>
+                <a:cs typeface="Times New Roman" panose="02020603050405020304" pitchFamily="18" charset="0"/>
+              </a:rPr>
+              <a:t>Emotion classification is for a </a:t>
+            </a:r>
+            <a:r>
+              <a:rPr lang="en-US" altLang="zh-CN" sz="1800" b="1" kern="100" dirty="0">
+                <a:effectLst/>
+                <a:latin typeface="Calibri" panose="020F0502020204030204" pitchFamily="34" charset="0"/>
+                <a:ea typeface="等线" panose="02010600030101010101" pitchFamily="2" charset="-122"/>
+                <a:cs typeface="Times New Roman" panose="02020603050405020304" pitchFamily="18" charset="0"/>
+              </a:rPr>
+              <a:t>certain role</a:t>
+            </a:r>
+            <a:r>
+              <a:rPr lang="en-US" altLang="zh-CN" sz="1800" kern="100" dirty="0">
+                <a:effectLst/>
+                <a:latin typeface="Calibri" panose="020F0502020204030204" pitchFamily="34" charset="0"/>
+                <a:ea typeface="等线" panose="02010600030101010101" pitchFamily="2" charset="-122"/>
+                <a:cs typeface="Times New Roman" panose="02020603050405020304" pitchFamily="18" charset="0"/>
+              </a:rPr>
+              <a:t> in a sentence, rather than the whole sentence. </a:t>
+            </a:r>
+          </a:p>
+          <a:p>
+            <a:pPr marL="342900" indent="-342900">
+              <a:buFont typeface="+mj-lt"/>
+              <a:buAutoNum type="arabicPeriod"/>
+            </a:pPr>
+            <a:r>
+              <a:rPr lang="en-US" altLang="zh-CN" sz="1800" kern="100" dirty="0">
+                <a:effectLst/>
+                <a:latin typeface="Calibri" panose="020F0502020204030204" pitchFamily="34" charset="0"/>
+                <a:ea typeface="等线" panose="02010600030101010101" pitchFamily="2" charset="-122"/>
+                <a:cs typeface="Times New Roman" panose="02020603050405020304" pitchFamily="18" charset="0"/>
+              </a:rPr>
+              <a:t>A sentence may have multiple roles with different emotions. </a:t>
+            </a:r>
+          </a:p>
+          <a:p>
+            <a:pPr marL="342900" indent="-342900">
+              <a:buFont typeface="+mj-lt"/>
+              <a:buAutoNum type="arabicPeriod"/>
+            </a:pPr>
+            <a:r>
+              <a:rPr lang="en-US" altLang="zh-CN" sz="1800" kern="100" dirty="0">
+                <a:effectLst/>
+                <a:latin typeface="Calibri" panose="020F0502020204030204" pitchFamily="34" charset="0"/>
+                <a:ea typeface="等线" panose="02010600030101010101" pitchFamily="2" charset="-122"/>
+                <a:cs typeface="Times New Roman" panose="02020603050405020304" pitchFamily="18" charset="0"/>
+              </a:rPr>
+              <a:t>Considering the property of the task, </a:t>
+            </a:r>
+            <a:r>
+              <a:rPr lang="en-US" altLang="zh-CN" sz="1800" b="1" kern="100" dirty="0">
+                <a:effectLst/>
+                <a:latin typeface="Calibri" panose="020F0502020204030204" pitchFamily="34" charset="0"/>
+                <a:ea typeface="等线" panose="02010600030101010101" pitchFamily="2" charset="-122"/>
+                <a:cs typeface="Times New Roman" panose="02020603050405020304" pitchFamily="18" charset="0"/>
+              </a:rPr>
+              <a:t>we tried a few networks </a:t>
+            </a:r>
+            <a:r>
+              <a:rPr lang="en-US" altLang="zh-CN" sz="1800" kern="100" dirty="0">
+                <a:effectLst/>
+                <a:latin typeface="Calibri" panose="020F0502020204030204" pitchFamily="34" charset="0"/>
+                <a:ea typeface="等线" panose="02010600030101010101" pitchFamily="2" charset="-122"/>
+                <a:cs typeface="Times New Roman" panose="02020603050405020304" pitchFamily="18" charset="0"/>
+              </a:rPr>
+              <a:t>which are different from what the multi-classifier does.</a:t>
             </a:r>
             <a:endParaRPr lang="zh-CN" altLang="zh-CN" sz="1800" kern="100" dirty="0">
               <a:effectLst/>
@@ -5525,7 +5583,7 @@
         </p:blipFill>
         <p:spPr>
           <a:xfrm>
-            <a:off x="317465" y="974641"/>
+            <a:off x="317465" y="694259"/>
             <a:ext cx="11557070" cy="1736662"/>
           </a:xfrm>
           <a:prstGeom prst="rect">
@@ -5547,8 +5605,8 @@
         </p:nvSpPr>
         <p:spPr>
           <a:xfrm>
-            <a:off x="317465" y="2828836"/>
-            <a:ext cx="11557070" cy="3693319"/>
+            <a:off x="317465" y="2430921"/>
+            <a:ext cx="11557070" cy="4108817"/>
           </a:xfrm>
           <a:prstGeom prst="rect">
             <a:avLst/>
@@ -5561,16 +5619,121 @@
           </a:bodyPr>
           <a:lstStyle/>
           <a:p>
-            <a:r>
-              <a:rPr lang="en-US" altLang="zh-CN" sz="2400" kern="100" dirty="0">
+            <a:pPr marL="342900" indent="-342900">
+              <a:lnSpc>
+                <a:spcPct val="150000"/>
+              </a:lnSpc>
+              <a:buFont typeface="+mj-lt"/>
+              <a:buAutoNum type="arabicPeriod"/>
+            </a:pPr>
+            <a:r>
+              <a:rPr lang="en-US" altLang="zh-CN" kern="100" dirty="0">
                 <a:effectLst/>
                 <a:latin typeface="Calibri" panose="020F0502020204030204" pitchFamily="34" charset="0"/>
-                <a:ea typeface="等线" panose="02010600030101010101" pitchFamily="2" charset="-122"/>
+                <a:ea typeface="Nirmala UI Semilight" panose="020B0402040204020203" pitchFamily="34" charset="0"/>
                 <a:cs typeface="Calibri" panose="020F0502020204030204" pitchFamily="34" charset="0"/>
               </a:rPr>
-              <a:t>The above table is an example: The table content contains the script of a movie. The character column contains the specified character, that is mentioned in the script. The last 6 columns are the labels, which is in the training data but missing in the test data. The task is to identify the given character’s six emotions: love, happiness, surprise, anger, fear, and sorrow, and numerically rank them according to the script. A sentence has multiple characters, such as p2, d1 and x2, and for each character, the type and degree of emotion needs to be identified. In the sample, there is one line: A X2 Praise: “Wow, beautiful car!", which contains two emotions: "joy" and "surprise", and they are in degree 2 and 3, respectively.</a:t>
-            </a:r>
-            <a:endParaRPr lang="zh-CN" altLang="zh-CN" sz="2400" kern="100" dirty="0">
+              <a:t>The above table is an example: The table content contains the script of a movie. </a:t>
+            </a:r>
+          </a:p>
+          <a:p>
+            <a:pPr marL="342900" indent="-342900">
+              <a:lnSpc>
+                <a:spcPct val="150000"/>
+              </a:lnSpc>
+              <a:buFont typeface="+mj-lt"/>
+              <a:buAutoNum type="arabicPeriod"/>
+            </a:pPr>
+            <a:r>
+              <a:rPr lang="en-US" altLang="zh-CN" kern="100" dirty="0">
+                <a:effectLst/>
+                <a:latin typeface="Calibri" panose="020F0502020204030204" pitchFamily="34" charset="0"/>
+                <a:ea typeface="Nirmala UI Semilight" panose="020B0402040204020203" pitchFamily="34" charset="0"/>
+                <a:cs typeface="Calibri" panose="020F0502020204030204" pitchFamily="34" charset="0"/>
+              </a:rPr>
+              <a:t>The character column contains the specified character, that is mentioned in the script. </a:t>
+            </a:r>
+          </a:p>
+          <a:p>
+            <a:pPr marL="342900" indent="-342900">
+              <a:lnSpc>
+                <a:spcPct val="150000"/>
+              </a:lnSpc>
+              <a:buFont typeface="+mj-lt"/>
+              <a:buAutoNum type="arabicPeriod"/>
+            </a:pPr>
+            <a:r>
+              <a:rPr lang="en-US" altLang="zh-CN" kern="100" dirty="0">
+                <a:latin typeface="Calibri" panose="020F0502020204030204" pitchFamily="34" charset="0"/>
+                <a:ea typeface="Nirmala UI Semilight" panose="020B0402040204020203" pitchFamily="34" charset="0"/>
+                <a:cs typeface="Calibri" panose="020F0502020204030204" pitchFamily="34" charset="0"/>
+              </a:rPr>
+              <a:t>L</a:t>
+            </a:r>
+            <a:r>
+              <a:rPr lang="en-US" altLang="zh-CN" kern="100" dirty="0">
+                <a:effectLst/>
+                <a:latin typeface="Calibri" panose="020F0502020204030204" pitchFamily="34" charset="0"/>
+                <a:ea typeface="Nirmala UI Semilight" panose="020B0402040204020203" pitchFamily="34" charset="0"/>
+                <a:cs typeface="Calibri" panose="020F0502020204030204" pitchFamily="34" charset="0"/>
+              </a:rPr>
+              <a:t>ast 6 columns: the labels, in the training data but missing in the test data. </a:t>
+            </a:r>
+          </a:p>
+          <a:p>
+            <a:pPr marL="342900" indent="-342900">
+              <a:lnSpc>
+                <a:spcPct val="150000"/>
+              </a:lnSpc>
+              <a:buFont typeface="+mj-lt"/>
+              <a:buAutoNum type="arabicPeriod"/>
+            </a:pPr>
+            <a:r>
+              <a:rPr lang="en-US" altLang="zh-CN" kern="100" dirty="0">
+                <a:effectLst/>
+                <a:latin typeface="Calibri" panose="020F0502020204030204" pitchFamily="34" charset="0"/>
+                <a:ea typeface="Nirmala UI Semilight" panose="020B0402040204020203" pitchFamily="34" charset="0"/>
+                <a:cs typeface="Calibri" panose="020F0502020204030204" pitchFamily="34" charset="0"/>
+              </a:rPr>
+              <a:t>The task is to identify the given character’s six emotions: love, happiness, surprise, anger, fear, and sorrow, and numerically rank them according to the script. </a:t>
+            </a:r>
+          </a:p>
+          <a:p>
+            <a:pPr marL="342900" indent="-342900">
+              <a:lnSpc>
+                <a:spcPct val="150000"/>
+              </a:lnSpc>
+              <a:buFont typeface="+mj-lt"/>
+              <a:buAutoNum type="arabicPeriod"/>
+            </a:pPr>
+            <a:r>
+              <a:rPr lang="en-US" altLang="zh-CN" kern="100" dirty="0">
+                <a:effectLst/>
+                <a:latin typeface="Calibri" panose="020F0502020204030204" pitchFamily="34" charset="0"/>
+                <a:ea typeface="Nirmala UI Semilight" panose="020B0402040204020203" pitchFamily="34" charset="0"/>
+                <a:cs typeface="Calibri" panose="020F0502020204030204" pitchFamily="34" charset="0"/>
+              </a:rPr>
+              <a:t>A sentence has multiple characters, such as p2, d1 and x2, and for each character, the type and degree of emotion needs to be identified. </a:t>
+            </a:r>
+          </a:p>
+          <a:p>
+            <a:pPr marL="342900" indent="-342900">
+              <a:lnSpc>
+                <a:spcPct val="150000"/>
+              </a:lnSpc>
+              <a:buFont typeface="+mj-lt"/>
+              <a:buAutoNum type="arabicPeriod"/>
+            </a:pPr>
+            <a:r>
+              <a:rPr lang="en-US" altLang="zh-CN" kern="100" dirty="0">
+                <a:effectLst/>
+                <a:latin typeface="Calibri" panose="020F0502020204030204" pitchFamily="34" charset="0"/>
+                <a:ea typeface="Nirmala UI Semilight" panose="020B0402040204020203" pitchFamily="34" charset="0"/>
+                <a:cs typeface="Calibri" panose="020F0502020204030204" pitchFamily="34" charset="0"/>
+              </a:rPr>
+              <a:t>In the sample, there is one line: An x2 Praise: “Wow, beautiful car!", which contains two emotions: "joy" and "surprise", and they are in degree 2 and 3, respectively.</a:t>
+            </a:r>
+            <a:endParaRPr lang="zh-CN" altLang="zh-CN" kern="100" dirty="0">
               <a:effectLst/>
               <a:latin typeface="Calibri" panose="020F0502020204030204" pitchFamily="34" charset="0"/>
               <a:ea typeface="等线" panose="02010600030101010101" pitchFamily="2" charset="-122"/>
@@ -5597,7 +5760,7 @@
         <p:spPr>
           <a:xfrm>
             <a:off x="335161" y="232594"/>
-            <a:ext cx="1015174" cy="461665"/>
+            <a:ext cx="3968984" cy="461665"/>
           </a:xfrm>
           <a:prstGeom prst="rect">
             <a:avLst/>
@@ -5615,7 +5778,7 @@
                 <a:latin typeface="Calibri" panose="020F0502020204030204" pitchFamily="34" charset="0"/>
                 <a:cs typeface="Calibri" panose="020F0502020204030204" pitchFamily="34" charset="0"/>
               </a:rPr>
-              <a:t>Data</a:t>
+              <a:t>Data Analysis</a:t>
             </a:r>
             <a:endParaRPr lang="zh-CN" altLang="en-US" sz="2400" dirty="0">
               <a:latin typeface="Calibri" panose="020F0502020204030204" pitchFamily="34" charset="0"/>
@@ -5634,6 +5797,89 @@
   <p:clrMapOvr>
     <a:masterClrMapping/>
   </p:clrMapOvr>
+  <p:timing>
+    <p:tnLst>
+      <p:par>
+        <p:cTn id="1" dur="indefinite" restart="never" nodeType="tmRoot">
+          <p:childTnLst>
+            <p:seq concurrent="1" nextAc="seek">
+              <p:cTn id="2" dur="indefinite" nodeType="mainSeq">
+                <p:childTnLst>
+                  <p:par>
+                    <p:cTn id="3" fill="hold">
+                      <p:stCondLst>
+                        <p:cond delay="indefinite"/>
+                      </p:stCondLst>
+                      <p:childTnLst>
+                        <p:par>
+                          <p:cTn id="4" fill="hold">
+                            <p:stCondLst>
+                              <p:cond delay="0"/>
+                            </p:stCondLst>
+                            <p:childTnLst>
+                              <p:par>
+                                <p:cTn id="5" presetID="6" presetClass="entr" presetSubtype="16" fill="hold" nodeType="clickEffect">
+                                  <p:stCondLst>
+                                    <p:cond delay="0"/>
+                                  </p:stCondLst>
+                                  <p:childTnLst>
+                                    <p:set>
+                                      <p:cBhvr>
+                                        <p:cTn id="6" dur="1" fill="hold">
+                                          <p:stCondLst>
+                                            <p:cond delay="0"/>
+                                          </p:stCondLst>
+                                        </p:cTn>
+                                        <p:tgtEl>
+                                          <p:spTgt spid="5"/>
+                                        </p:tgtEl>
+                                        <p:attrNameLst>
+                                          <p:attrName>style.visibility</p:attrName>
+                                        </p:attrNameLst>
+                                      </p:cBhvr>
+                                      <p:to>
+                                        <p:strVal val="visible"/>
+                                      </p:to>
+                                    </p:set>
+                                    <p:animEffect transition="in" filter="circle(in)">
+                                      <p:cBhvr>
+                                        <p:cTn id="7" dur="2000"/>
+                                        <p:tgtEl>
+                                          <p:spTgt spid="5"/>
+                                        </p:tgtEl>
+                                      </p:cBhvr>
+                                    </p:animEffect>
+                                  </p:childTnLst>
+                                </p:cTn>
+                              </p:par>
+                            </p:childTnLst>
+                          </p:cTn>
+                        </p:par>
+                      </p:childTnLst>
+                    </p:cTn>
+                  </p:par>
+                </p:childTnLst>
+              </p:cTn>
+              <p:prevCondLst>
+                <p:cond evt="onPrev" delay="0">
+                  <p:tgtEl>
+                    <p:sldTgt/>
+                  </p:tgtEl>
+                </p:cond>
+              </p:prevCondLst>
+              <p:nextCondLst>
+                <p:cond evt="onNext" delay="0">
+                  <p:tgtEl>
+                    <p:sldTgt/>
+                  </p:tgtEl>
+                </p:cond>
+              </p:nextCondLst>
+            </p:seq>
+          </p:childTnLst>
+        </p:cTn>
+      </p:par>
+    </p:tnLst>
+  </p:timing>
 </p:sld>
 </file>
 
@@ -5668,8 +5914,8 @@
         </p:nvSpPr>
         <p:spPr>
           <a:xfrm>
-            <a:off x="489099" y="574158"/>
-            <a:ext cx="10887740" cy="2246769"/>
+            <a:off x="652130" y="3804416"/>
+            <a:ext cx="10887740" cy="2352952"/>
           </a:xfrm>
           <a:prstGeom prst="rect">
             <a:avLst/>
@@ -5682,14 +5928,109 @@
           </a:bodyPr>
           <a:lstStyle/>
           <a:p>
-            <a:r>
-              <a:rPr lang="en-US" altLang="zh-CN" sz="2800" dirty="0">
+            <a:pPr marL="457200" indent="-457200">
+              <a:lnSpc>
+                <a:spcPct val="150000"/>
+              </a:lnSpc>
+              <a:buFont typeface="+mj-lt"/>
+              <a:buAutoNum type="arabicPeriod"/>
+            </a:pPr>
+            <a:r>
+              <a:rPr lang="en-US" altLang="zh-CN" sz="2000" dirty="0">
                 <a:latin typeface="Calibri" panose="020F0502020204030204" pitchFamily="34" charset="0"/>
                 <a:cs typeface="Calibri" panose="020F0502020204030204" pitchFamily="34" charset="0"/>
               </a:rPr>
-              <a:t>A total of 42896 labeled data were randomly shuffled and divided into training set and validation set in a ratio of 8:2.  We have counted the label distribution on the training set, and it is obvious from the data distribution that emotion value 0 accounts for the vast majority.  The higher the emotional value, the smaller the proportion.</a:t>
-            </a:r>
-            <a:endParaRPr lang="zh-CN" altLang="en-US" sz="2800" dirty="0">
+              <a:t>A total of 42896 labeled data were randomly </a:t>
+            </a:r>
+            <a:r>
+              <a:rPr lang="en-US" altLang="zh-CN" sz="2000" b="1" dirty="0">
+                <a:latin typeface="Calibri" panose="020F0502020204030204" pitchFamily="34" charset="0"/>
+                <a:cs typeface="Calibri" panose="020F0502020204030204" pitchFamily="34" charset="0"/>
+              </a:rPr>
+              <a:t>shuffled</a:t>
+            </a:r>
+            <a:r>
+              <a:rPr lang="en-US" altLang="zh-CN" sz="2000" dirty="0">
+                <a:latin typeface="Calibri" panose="020F0502020204030204" pitchFamily="34" charset="0"/>
+                <a:cs typeface="Calibri" panose="020F0502020204030204" pitchFamily="34" charset="0"/>
+              </a:rPr>
+              <a:t> and </a:t>
+            </a:r>
+            <a:r>
+              <a:rPr lang="en-US" altLang="zh-CN" sz="2000" b="1" dirty="0">
+                <a:latin typeface="Calibri" panose="020F0502020204030204" pitchFamily="34" charset="0"/>
+                <a:cs typeface="Calibri" panose="020F0502020204030204" pitchFamily="34" charset="0"/>
+              </a:rPr>
+              <a:t>divided</a:t>
+            </a:r>
+            <a:r>
+              <a:rPr lang="en-US" altLang="zh-CN" sz="2000" dirty="0">
+                <a:latin typeface="Calibri" panose="020F0502020204030204" pitchFamily="34" charset="0"/>
+                <a:cs typeface="Calibri" panose="020F0502020204030204" pitchFamily="34" charset="0"/>
+              </a:rPr>
+              <a:t> into training set and validation set in a ratio of </a:t>
+            </a:r>
+            <a:r>
+              <a:rPr lang="en-US" altLang="zh-CN" sz="2000" b="1" dirty="0">
+                <a:latin typeface="Calibri" panose="020F0502020204030204" pitchFamily="34" charset="0"/>
+                <a:cs typeface="Calibri" panose="020F0502020204030204" pitchFamily="34" charset="0"/>
+              </a:rPr>
+              <a:t>8:2</a:t>
+            </a:r>
+            <a:r>
+              <a:rPr lang="en-US" altLang="zh-CN" sz="2000" dirty="0">
+                <a:latin typeface="Calibri" panose="020F0502020204030204" pitchFamily="34" charset="0"/>
+                <a:cs typeface="Calibri" panose="020F0502020204030204" pitchFamily="34" charset="0"/>
+              </a:rPr>
+              <a:t>.  </a:t>
+            </a:r>
+          </a:p>
+          <a:p>
+            <a:pPr marL="457200" indent="-457200">
+              <a:lnSpc>
+                <a:spcPct val="150000"/>
+              </a:lnSpc>
+              <a:buFont typeface="+mj-lt"/>
+              <a:buAutoNum type="arabicPeriod"/>
+            </a:pPr>
+            <a:r>
+              <a:rPr lang="en-US" altLang="zh-CN" sz="2000" dirty="0">
+                <a:latin typeface="Calibri" panose="020F0502020204030204" pitchFamily="34" charset="0"/>
+                <a:cs typeface="Calibri" panose="020F0502020204030204" pitchFamily="34" charset="0"/>
+              </a:rPr>
+              <a:t>We have counted the label distribution on the training set, and it is obvious from the data distribution that </a:t>
+            </a:r>
+            <a:r>
+              <a:rPr lang="en-US" altLang="zh-CN" sz="2000" b="1" dirty="0">
+                <a:latin typeface="Calibri" panose="020F0502020204030204" pitchFamily="34" charset="0"/>
+                <a:cs typeface="Calibri" panose="020F0502020204030204" pitchFamily="34" charset="0"/>
+              </a:rPr>
+              <a:t>emotion value 0 </a:t>
+            </a:r>
+            <a:r>
+              <a:rPr lang="en-US" altLang="zh-CN" sz="2000" dirty="0">
+                <a:latin typeface="Calibri" panose="020F0502020204030204" pitchFamily="34" charset="0"/>
+                <a:cs typeface="Calibri" panose="020F0502020204030204" pitchFamily="34" charset="0"/>
+              </a:rPr>
+              <a:t>accounts for the vast majority.  </a:t>
+            </a:r>
+          </a:p>
+          <a:p>
+            <a:pPr marL="457200" indent="-457200">
+              <a:lnSpc>
+                <a:spcPct val="150000"/>
+              </a:lnSpc>
+              <a:buFont typeface="+mj-lt"/>
+              <a:buAutoNum type="arabicPeriod"/>
+            </a:pPr>
+            <a:r>
+              <a:rPr lang="en-US" altLang="zh-CN" sz="2000" dirty="0">
+                <a:latin typeface="Calibri" panose="020F0502020204030204" pitchFamily="34" charset="0"/>
+                <a:cs typeface="Calibri" panose="020F0502020204030204" pitchFamily="34" charset="0"/>
+              </a:rPr>
+              <a:t>The higher the emotional value, the smaller the proportion.</a:t>
+            </a:r>
+            <a:endParaRPr lang="zh-CN" altLang="en-US" sz="2000" dirty="0">
               <a:latin typeface="Calibri" panose="020F0502020204030204" pitchFamily="34" charset="0"/>
               <a:cs typeface="Calibri" panose="020F0502020204030204" pitchFamily="34" charset="0"/>
             </a:endParaRPr>
@@ -5718,7 +6059,7 @@
         </p:blipFill>
         <p:spPr>
           <a:xfrm>
-            <a:off x="1042840" y="3019210"/>
+            <a:off x="1125968" y="257537"/>
             <a:ext cx="9473117" cy="3424120"/>
           </a:xfrm>
           <a:prstGeom prst="rect">
@@ -5736,6 +6077,89 @@
   <p:clrMapOvr>
     <a:masterClrMapping/>
   </p:clrMapOvr>
+  <p:timing>
+    <p:tnLst>
+      <p:par>
+        <p:cTn id="1" dur="indefinite" restart="never" nodeType="tmRoot">
+          <p:childTnLst>
+            <p:seq concurrent="1" nextAc="seek">
+              <p:cTn id="2" dur="indefinite" nodeType="mainSeq">
+                <p:childTnLst>
+                  <p:par>
+                    <p:cTn id="3" fill="hold">
+                      <p:stCondLst>
+                        <p:cond delay="indefinite"/>
+                      </p:stCondLst>
+                      <p:childTnLst>
+                        <p:par>
+                          <p:cTn id="4" fill="hold">
+                            <p:stCondLst>
+                              <p:cond delay="0"/>
+                            </p:stCondLst>
+                            <p:childTnLst>
+                              <p:par>
+                                <p:cTn id="5" presetID="22" presetClass="entr" presetSubtype="4" fill="hold" nodeType="clickEffect">
+                                  <p:stCondLst>
+                                    <p:cond delay="0"/>
+                                  </p:stCondLst>
+                                  <p:childTnLst>
+                                    <p:set>
+                                      <p:cBhvr>
+                                        <p:cTn id="6" dur="1" fill="hold">
+                                          <p:stCondLst>
+                                            <p:cond delay="0"/>
+                                          </p:stCondLst>
+                                        </p:cTn>
+                                        <p:tgtEl>
+                                          <p:spTgt spid="6"/>
+                                        </p:tgtEl>
+                                        <p:attrNameLst>
+                                          <p:attrName>style.visibility</p:attrName>
+                                        </p:attrNameLst>
+                                      </p:cBhvr>
+                                      <p:to>
+                                        <p:strVal val="visible"/>
+                                      </p:to>
+                                    </p:set>
+                                    <p:animEffect transition="in" filter="wipe(down)">
+                                      <p:cBhvr>
+                                        <p:cTn id="7" dur="500"/>
+                                        <p:tgtEl>
+                                          <p:spTgt spid="6"/>
+                                        </p:tgtEl>
+                                      </p:cBhvr>
+                                    </p:animEffect>
+                                  </p:childTnLst>
+                                </p:cTn>
+                              </p:par>
+                            </p:childTnLst>
+                          </p:cTn>
+                        </p:par>
+                      </p:childTnLst>
+                    </p:cTn>
+                  </p:par>
+                </p:childTnLst>
+              </p:cTn>
+              <p:prevCondLst>
+                <p:cond evt="onPrev" delay="0">
+                  <p:tgtEl>
+                    <p:sldTgt/>
+                  </p:tgtEl>
+                </p:cond>
+              </p:prevCondLst>
+              <p:nextCondLst>
+                <p:cond evt="onNext" delay="0">
+                  <p:tgtEl>
+                    <p:sldTgt/>
+                  </p:tgtEl>
+                </p:cond>
+              </p:nextCondLst>
+            </p:seq>
+          </p:childTnLst>
+        </p:cTn>
+      </p:par>
+    </p:tnLst>
+  </p:timing>
 </p:sld>
 </file>
 
@@ -5769,7 +6193,7 @@
           <p:nvPr>
             <p:extLst>
               <p:ext uri="{D42A27DB-BD31-4B8C-83A1-F6EECF244321}">
-                <p14:modId xmlns:p14="http://schemas.microsoft.com/office/powerpoint/2010/main" val="1669467144"/>
+                <p14:modId xmlns:p14="http://schemas.microsoft.com/office/powerpoint/2010/main" val="3369952450"/>
               </p:ext>
             </p:extLst>
           </p:nvPr>
@@ -5794,6 +6218,94 @@
   <p:clrMapOvr>
     <a:masterClrMapping/>
   </p:clrMapOvr>
+  <p:timing>
+    <p:tnLst>
+      <p:par>
+        <p:cTn id="1" dur="indefinite" restart="never" nodeType="tmRoot">
+          <p:childTnLst>
+            <p:seq concurrent="1" nextAc="seek">
+              <p:cTn id="2" dur="indefinite" nodeType="mainSeq">
+                <p:childTnLst>
+                  <p:par>
+                    <p:cTn id="3" fill="hold">
+                      <p:stCondLst>
+                        <p:cond delay="indefinite"/>
+                      </p:stCondLst>
+                      <p:childTnLst>
+                        <p:par>
+                          <p:cTn id="4" fill="hold">
+                            <p:stCondLst>
+                              <p:cond delay="0"/>
+                            </p:stCondLst>
+                            <p:childTnLst>
+                              <p:par>
+                                <p:cTn id="5" presetID="21" presetClass="entr" presetSubtype="1" fill="hold" grpId="0" nodeType="clickEffect">
+                                  <p:stCondLst>
+                                    <p:cond delay="0"/>
+                                  </p:stCondLst>
+                                  <p:childTnLst>
+                                    <p:set>
+                                      <p:cBhvr>
+                                        <p:cTn id="6" dur="1" fill="hold">
+                                          <p:stCondLst>
+                                            <p:cond delay="0"/>
+                                          </p:stCondLst>
+                                        </p:cTn>
+                                        <p:tgtEl>
+                                          <p:spTgt spid="2"/>
+                                        </p:tgtEl>
+                                        <p:attrNameLst>
+                                          <p:attrName>style.visibility</p:attrName>
+                                        </p:attrNameLst>
+                                      </p:cBhvr>
+                                      <p:to>
+                                        <p:strVal val="visible"/>
+                                      </p:to>
+                                    </p:set>
+                                    <p:animEffect transition="in" filter="wheel(1)">
+                                      <p:cBhvr>
+                                        <p:cTn id="7" dur="2000"/>
+                                        <p:tgtEl>
+                                          <p:spTgt spid="2"/>
+                                        </p:tgtEl>
+                                      </p:cBhvr>
+                                    </p:animEffect>
+                                  </p:childTnLst>
+                                </p:cTn>
+                              </p:par>
+                            </p:childTnLst>
+                          </p:cTn>
+                        </p:par>
+                      </p:childTnLst>
+                    </p:cTn>
+                  </p:par>
+                </p:childTnLst>
+              </p:cTn>
+              <p:prevCondLst>
+                <p:cond evt="onPrev" delay="0">
+                  <p:tgtEl>
+                    <p:sldTgt/>
+                  </p:tgtEl>
+                </p:cond>
+              </p:prevCondLst>
+              <p:nextCondLst>
+                <p:cond evt="onNext" delay="0">
+                  <p:tgtEl>
+                    <p:sldTgt/>
+                  </p:tgtEl>
+                </p:cond>
+              </p:nextCondLst>
+            </p:seq>
+          </p:childTnLst>
+        </p:cTn>
+      </p:par>
+    </p:tnLst>
+    <p:bldLst>
+      <p:bldGraphic spid="2" grpId="0">
+        <p:bldAsOne/>
+      </p:bldGraphic>
+    </p:bldLst>
+  </p:timing>
 </p:sld>
 </file>
 
@@ -5862,57 +6374,142 @@
         <p:spPr>
           <a:xfrm>
             <a:off x="1451579" y="2015732"/>
-            <a:ext cx="9603275" cy="4037749"/>
+            <a:ext cx="9603275" cy="4532850"/>
           </a:xfrm>
         </p:spPr>
         <p:txBody>
           <a:bodyPr>
-            <a:normAutofit fontScale="92500" lnSpcReduction="20000"/>
+            <a:normAutofit/>
           </a:bodyPr>
           <a:lstStyle/>
           <a:p>
-            <a:r>
-              <a:rPr lang="en-US" altLang="zh-CN" dirty="0"/>
+            <a:pPr marL="457200" indent="-457200">
+              <a:buFont typeface="+mj-lt"/>
+              <a:buAutoNum type="arabicPeriod"/>
+            </a:pPr>
+            <a:r>
+              <a:rPr lang="en-US" altLang="zh-CN" dirty="0">
+                <a:latin typeface="Calibri" panose="020F0502020204030204" pitchFamily="34" charset="0"/>
+                <a:cs typeface="Calibri" panose="020F0502020204030204" pitchFamily="34" charset="0"/>
+              </a:rPr>
               <a:t>The score of the algorithm in this competition is calculated by the common root mean square error (RMSE), and the emotion values corresponding to the six emotions identified by "text content + character name" are counted:</a:t>
             </a:r>
           </a:p>
           <a:p>
-            <a:endParaRPr lang="en-US" altLang="zh-CN" dirty="0"/>
-          </a:p>
-          <a:p>
-            <a:endParaRPr lang="en-US" altLang="zh-CN" dirty="0"/>
-          </a:p>
-          <a:p>
-            <a:endParaRPr lang="en-US" altLang="zh-CN" dirty="0"/>
-          </a:p>
-          <a:p>
-            <a:endParaRPr lang="en-US" altLang="zh-CN" dirty="0"/>
-          </a:p>
-          <a:p>
-            <a:endParaRPr lang="en-US" altLang="zh-CN" dirty="0"/>
-          </a:p>
-          <a:p>
-            <a:r>
-              <a:rPr lang="en-US" altLang="zh-CN" dirty="0"/>
+            <a:pPr marL="457200" indent="-457200">
+              <a:buFont typeface="+mj-lt"/>
+              <a:buAutoNum type="arabicPeriod"/>
+            </a:pPr>
+            <a:endParaRPr lang="en-US" altLang="zh-CN" dirty="0">
+              <a:latin typeface="Calibri" panose="020F0502020204030204" pitchFamily="34" charset="0"/>
+              <a:cs typeface="Calibri" panose="020F0502020204030204" pitchFamily="34" charset="0"/>
+            </a:endParaRPr>
+          </a:p>
+          <a:p>
+            <a:pPr marL="457200" indent="-457200">
+              <a:buFont typeface="+mj-lt"/>
+              <a:buAutoNum type="arabicPeriod"/>
+            </a:pPr>
+            <a:endParaRPr lang="en-US" altLang="zh-CN" dirty="0">
+              <a:latin typeface="Calibri" panose="020F0502020204030204" pitchFamily="34" charset="0"/>
+              <a:cs typeface="Calibri" panose="020F0502020204030204" pitchFamily="34" charset="0"/>
+            </a:endParaRPr>
+          </a:p>
+          <a:p>
+            <a:pPr marL="457200" indent="-457200">
+              <a:buFont typeface="+mj-lt"/>
+              <a:buAutoNum type="arabicPeriod"/>
+            </a:pPr>
+            <a:endParaRPr lang="en-US" altLang="zh-CN" dirty="0">
+              <a:latin typeface="Calibri" panose="020F0502020204030204" pitchFamily="34" charset="0"/>
+              <a:cs typeface="Calibri" panose="020F0502020204030204" pitchFamily="34" charset="0"/>
+            </a:endParaRPr>
+          </a:p>
+          <a:p>
+            <a:pPr marL="457200" indent="-457200">
+              <a:buFont typeface="+mj-lt"/>
+              <a:buAutoNum type="arabicPeriod"/>
+            </a:pPr>
+            <a:r>
+              <a:rPr lang="en-US" altLang="zh-CN" dirty="0">
+                <a:latin typeface="Calibri" panose="020F0502020204030204" pitchFamily="34" charset="0"/>
+                <a:cs typeface="Calibri" panose="020F0502020204030204" pitchFamily="34" charset="0"/>
+              </a:rPr>
               <a:t>Where </a:t>
             </a:r>
             <a:r>
-              <a:rPr lang="en-US" altLang="zh-CN" dirty="0" err="1"/>
-              <a:t>yi,j</a:t>
-            </a:r>
-            <a:r>
-              <a:rPr lang="en-US" altLang="zh-CN" dirty="0"/>
-              <a:t> is the predicted emotion value, </a:t>
-            </a:r>
-            <a:r>
-              <a:rPr lang="en-US" altLang="zh-CN" dirty="0" err="1"/>
-              <a:t>xi,j</a:t>
-            </a:r>
-            <a:r>
-              <a:rPr lang="en-US" altLang="zh-CN" dirty="0"/>
-              <a:t> are the marked emotion value, and n is the total number of test samples. The final ranking is based on score.</a:t>
-            </a:r>
-            <a:endParaRPr lang="zh-CN" altLang="en-US" dirty="0"/>
+              <a:rPr lang="en-US" altLang="zh-CN" dirty="0" err="1">
+                <a:latin typeface="Calibri" panose="020F0502020204030204" pitchFamily="34" charset="0"/>
+                <a:cs typeface="Calibri" panose="020F0502020204030204" pitchFamily="34" charset="0"/>
+              </a:rPr>
+              <a:t>y</a:t>
+            </a:r>
+            <a:r>
+              <a:rPr lang="en-US" altLang="zh-CN" sz="1400" dirty="0" err="1">
+                <a:latin typeface="Calibri" panose="020F0502020204030204" pitchFamily="34" charset="0"/>
+                <a:cs typeface="Calibri" panose="020F0502020204030204" pitchFamily="34" charset="0"/>
+              </a:rPr>
+              <a:t>i,j</a:t>
+            </a:r>
+            <a:r>
+              <a:rPr lang="en-US" altLang="zh-CN" sz="1400" dirty="0">
+                <a:latin typeface="Calibri" panose="020F0502020204030204" pitchFamily="34" charset="0"/>
+                <a:cs typeface="Calibri" panose="020F0502020204030204" pitchFamily="34" charset="0"/>
+              </a:rPr>
+              <a:t> </a:t>
+            </a:r>
+            <a:r>
+              <a:rPr lang="en-US" altLang="zh-CN" dirty="0">
+                <a:latin typeface="Calibri" panose="020F0502020204030204" pitchFamily="34" charset="0"/>
+                <a:cs typeface="Calibri" panose="020F0502020204030204" pitchFamily="34" charset="0"/>
+              </a:rPr>
+              <a:t>is the predicted emotion value, </a:t>
+            </a:r>
+            <a:r>
+              <a:rPr lang="en-US" altLang="zh-CN" dirty="0" err="1">
+                <a:latin typeface="Calibri" panose="020F0502020204030204" pitchFamily="34" charset="0"/>
+                <a:cs typeface="Calibri" panose="020F0502020204030204" pitchFamily="34" charset="0"/>
+              </a:rPr>
+              <a:t>x</a:t>
+            </a:r>
+            <a:r>
+              <a:rPr lang="en-US" altLang="zh-CN" sz="1400" dirty="0" err="1">
+                <a:latin typeface="Calibri" panose="020F0502020204030204" pitchFamily="34" charset="0"/>
+                <a:cs typeface="Calibri" panose="020F0502020204030204" pitchFamily="34" charset="0"/>
+              </a:rPr>
+              <a:t>i,j</a:t>
+            </a:r>
+            <a:r>
+              <a:rPr lang="en-US" altLang="zh-CN" sz="1400" dirty="0">
+                <a:latin typeface="Calibri" panose="020F0502020204030204" pitchFamily="34" charset="0"/>
+                <a:cs typeface="Calibri" panose="020F0502020204030204" pitchFamily="34" charset="0"/>
+              </a:rPr>
+              <a:t> </a:t>
+            </a:r>
+            <a:r>
+              <a:rPr lang="en-US" altLang="zh-CN" dirty="0">
+                <a:latin typeface="Calibri" panose="020F0502020204030204" pitchFamily="34" charset="0"/>
+                <a:cs typeface="Calibri" panose="020F0502020204030204" pitchFamily="34" charset="0"/>
+              </a:rPr>
+              <a:t>are the marked emotion value, and n is the total number of test samples. </a:t>
+            </a:r>
+          </a:p>
+          <a:p>
+            <a:pPr marL="457200" indent="-457200">
+              <a:buFont typeface="+mj-lt"/>
+              <a:buAutoNum type="arabicPeriod"/>
+            </a:pPr>
+            <a:r>
+              <a:rPr lang="en-US" altLang="zh-CN" dirty="0">
+                <a:latin typeface="Calibri" panose="020F0502020204030204" pitchFamily="34" charset="0"/>
+                <a:cs typeface="Calibri" panose="020F0502020204030204" pitchFamily="34" charset="0"/>
+              </a:rPr>
+              <a:t>The final ranking is based on the score.</a:t>
+            </a:r>
+            <a:endParaRPr lang="zh-CN" altLang="en-US" dirty="0">
+              <a:latin typeface="Calibri" panose="020F0502020204030204" pitchFamily="34" charset="0"/>
+              <a:cs typeface="Calibri" panose="020F0502020204030204" pitchFamily="34" charset="0"/>
+            </a:endParaRPr>
           </a:p>
         </p:txBody>
       </p:sp>
@@ -5931,15 +6528,30 @@
           <p:nvPr/>
         </p:nvPicPr>
         <p:blipFill>
-          <a:blip r:embed="rId2"/>
+          <a:blip r:embed="rId2">
+            <a:extLst>
+              <a:ext uri="{BEBA8EAE-BF5A-486C-A8C5-ECC9F3942E4B}">
+                <a14:imgProps xmlns:a14="http://schemas.microsoft.com/office/drawing/2010/main">
+                  <a14:imgLayer r:embed="rId3">
+                    <a14:imgEffect>
+                      <a14:sharpenSoften amount="25000"/>
+                    </a14:imgEffect>
+                    <a14:imgEffect>
+                      <a14:brightnessContrast contrast="40000"/>
+                    </a14:imgEffect>
+                  </a14:imgLayer>
+                </a14:imgProps>
+              </a:ext>
+            </a:extLst>
+          </a:blip>
           <a:stretch>
             <a:fillRect/>
           </a:stretch>
         </p:blipFill>
         <p:spPr>
           <a:xfrm>
-            <a:off x="3153198" y="3299573"/>
-            <a:ext cx="5885604" cy="1889631"/>
+            <a:off x="3975233" y="3203637"/>
+            <a:ext cx="3774075" cy="1486803"/>
           </a:xfrm>
           <a:prstGeom prst="rect">
             <a:avLst/>
@@ -5956,354 +6568,89 @@
   <p:clrMapOvr>
     <a:masterClrMapping/>
   </p:clrMapOvr>
-</p:sld>
-</file>
-
-<file path=ppt/slides/slide7.xml><?xml version="1.0" encoding="utf-8"?>
-<p:sld xmlns:a="http://schemas.openxmlformats.org/drawingml/2006/main" xmlns:r="http://schemas.openxmlformats.org/officeDocument/2006/relationships" xmlns:p="http://schemas.openxmlformats.org/presentationml/2006/main">
-  <p:cSld>
-    <p:spTree>
-      <p:nvGrpSpPr>
-        <p:cNvPr id="1" name=""/>
-        <p:cNvGrpSpPr/>
-        <p:nvPr/>
-      </p:nvGrpSpPr>
-      <p:grpSpPr>
-        <a:xfrm>
-          <a:off x="0" y="0"/>
-          <a:ext cx="0" cy="0"/>
-          <a:chOff x="0" y="0"/>
-          <a:chExt cx="0" cy="0"/>
-        </a:xfrm>
-      </p:grpSpPr>
-      <p:sp>
-        <p:nvSpPr>
-          <p:cNvPr id="2" name="标题 1"/>
-          <p:cNvSpPr>
-            <a:spLocks noGrp="1"/>
-          </p:cNvSpPr>
-          <p:nvPr>
-            <p:ph type="title"/>
-          </p:nvPr>
-        </p:nvSpPr>
-        <p:spPr/>
-        <p:txBody>
-          <a:bodyPr/>
-          <a:lstStyle/>
-          <a:p>
-            <a:r>
-              <a:rPr lang="en-US" altLang="zh-CN" dirty="0" smtClean="0"/>
-              <a:t>Baseline model’s </a:t>
-            </a:r>
-            <a:r>
-              <a:rPr lang="en-US" altLang="zh-CN" dirty="0" err="1" smtClean="0"/>
-              <a:t>shotcommings</a:t>
-            </a:r>
-            <a:endParaRPr lang="zh-CN" altLang="en-US" dirty="0"/>
-          </a:p>
-        </p:txBody>
-      </p:sp>
-      <p:sp>
-        <p:nvSpPr>
-          <p:cNvPr id="3" name="内容占位符 2"/>
-          <p:cNvSpPr>
-            <a:spLocks noGrp="1"/>
-          </p:cNvSpPr>
-          <p:nvPr>
-            <p:ph idx="1"/>
-          </p:nvPr>
-        </p:nvSpPr>
-        <p:spPr/>
-        <p:txBody>
-          <a:bodyPr/>
-          <a:lstStyle/>
-          <a:p>
-            <a:r>
-              <a:rPr lang="en-US" altLang="zh-CN" dirty="0" smtClean="0"/>
-              <a:t>Baseline model </a:t>
-            </a:r>
-            <a:r>
-              <a:rPr lang="en-US" altLang="zh-CN" dirty="0" err="1" smtClean="0"/>
-              <a:t>simplifys</a:t>
-            </a:r>
-            <a:r>
-              <a:rPr lang="en-US" altLang="zh-CN" dirty="0" smtClean="0"/>
-              <a:t> the multi-label multi-classification problem as a multi-label binary classification problem. It only gives 0 or 1 for an emotion, and ignores intensity degree of it</a:t>
-            </a:r>
-          </a:p>
-          <a:p>
-            <a:endParaRPr lang="zh-CN" altLang="en-US" dirty="0"/>
-          </a:p>
-        </p:txBody>
-      </p:sp>
-      <p:pic>
-        <p:nvPicPr>
-          <p:cNvPr id="4" name="图片 3"/>
-          <p:cNvPicPr>
-            <a:picLocks noChangeAspect="1"/>
-          </p:cNvPicPr>
-          <p:nvPr/>
-        </p:nvPicPr>
-        <p:blipFill>
-          <a:blip r:embed="rId2">
-            <a:extLst>
-              <a:ext uri="{28A0092B-C50C-407E-A947-70E740481C1C}">
-                <a14:useLocalDpi xmlns:a14="http://schemas.microsoft.com/office/drawing/2010/main" val="0"/>
-              </a:ext>
-            </a:extLst>
-          </a:blip>
-          <a:stretch>
-            <a:fillRect/>
-          </a:stretch>
-        </p:blipFill>
-        <p:spPr>
-          <a:xfrm>
-            <a:off x="2313473" y="3098916"/>
-            <a:ext cx="8100762" cy="2636748"/>
-          </a:xfrm>
-          <a:prstGeom prst="rect">
-            <a:avLst/>
-          </a:prstGeom>
-        </p:spPr>
-      </p:pic>
-    </p:spTree>
-    <p:extLst>
-      <p:ext uri="{BB962C8B-B14F-4D97-AF65-F5344CB8AC3E}">
-        <p14:creationId xmlns:p14="http://schemas.microsoft.com/office/powerpoint/2010/main" val="13369820"/>
-      </p:ext>
-    </p:extLst>
-  </p:cSld>
-  <p:clrMapOvr>
-    <a:masterClrMapping/>
-  </p:clrMapOvr>
-</p:sld>
-</file>
-
-<file path=ppt/slides/slide8.xml><?xml version="1.0" encoding="utf-8"?>
-<p:sld xmlns:a="http://schemas.openxmlformats.org/drawingml/2006/main" xmlns:r="http://schemas.openxmlformats.org/officeDocument/2006/relationships" xmlns:p="http://schemas.openxmlformats.org/presentationml/2006/main">
-  <p:cSld>
-    <p:spTree>
-      <p:nvGrpSpPr>
-        <p:cNvPr id="1" name=""/>
-        <p:cNvGrpSpPr/>
-        <p:nvPr/>
-      </p:nvGrpSpPr>
-      <p:grpSpPr>
-        <a:xfrm>
-          <a:off x="0" y="0"/>
-          <a:ext cx="0" cy="0"/>
-          <a:chOff x="0" y="0"/>
-          <a:chExt cx="0" cy="0"/>
-        </a:xfrm>
-      </p:grpSpPr>
-      <p:sp>
-        <p:nvSpPr>
-          <p:cNvPr id="2" name="标题 1"/>
-          <p:cNvSpPr>
-            <a:spLocks noGrp="1"/>
-          </p:cNvSpPr>
-          <p:nvPr>
-            <p:ph type="title"/>
-          </p:nvPr>
-        </p:nvSpPr>
-        <p:spPr/>
-        <p:txBody>
-          <a:bodyPr/>
-          <a:lstStyle/>
-          <a:p>
-            <a:r>
-              <a:rPr lang="en-US" altLang="zh-CN" dirty="0"/>
-              <a:t>Baseline model’s </a:t>
-            </a:r>
-            <a:r>
-              <a:rPr lang="en-US" altLang="zh-CN" dirty="0" err="1" smtClean="0"/>
-              <a:t>shotcommings</a:t>
-            </a:r>
-            <a:r>
-              <a:rPr lang="en-US" altLang="zh-CN" dirty="0" smtClean="0"/>
-              <a:t> </a:t>
-            </a:r>
-            <a:r>
-              <a:rPr lang="zh-CN" altLang="en-US" dirty="0" smtClean="0"/>
-              <a:t>（</a:t>
-            </a:r>
-            <a:r>
-              <a:rPr lang="en-US" altLang="zh-CN" dirty="0" smtClean="0"/>
-              <a:t>1</a:t>
-            </a:r>
-            <a:r>
-              <a:rPr lang="zh-CN" altLang="en-US" dirty="0" smtClean="0"/>
-              <a:t>）</a:t>
-            </a:r>
-            <a:endParaRPr lang="zh-CN" altLang="en-US" dirty="0"/>
-          </a:p>
-        </p:txBody>
-      </p:sp>
-      <p:pic>
-        <p:nvPicPr>
-          <p:cNvPr id="4" name="内容占位符 3"/>
-          <p:cNvPicPr>
-            <a:picLocks noGrp="1" noChangeAspect="1"/>
-          </p:cNvPicPr>
-          <p:nvPr>
-            <p:ph idx="1"/>
-          </p:nvPr>
-        </p:nvPicPr>
-        <p:blipFill>
-          <a:blip r:embed="rId2">
-            <a:extLst>
-              <a:ext uri="{28A0092B-C50C-407E-A947-70E740481C1C}">
-                <a14:useLocalDpi xmlns:a14="http://schemas.microsoft.com/office/drawing/2010/main" val="0"/>
-              </a:ext>
-            </a:extLst>
-          </a:blip>
-          <a:stretch>
-            <a:fillRect/>
-          </a:stretch>
-        </p:blipFill>
-        <p:spPr>
-          <a:xfrm>
-            <a:off x="2042015" y="2016125"/>
-            <a:ext cx="8422294" cy="3449638"/>
-          </a:xfrm>
-        </p:spPr>
-      </p:pic>
-    </p:spTree>
-    <p:extLst>
-      <p:ext uri="{BB962C8B-B14F-4D97-AF65-F5344CB8AC3E}">
-        <p14:creationId xmlns:p14="http://schemas.microsoft.com/office/powerpoint/2010/main" val="3992474266"/>
-      </p:ext>
-    </p:extLst>
-  </p:cSld>
-  <p:clrMapOvr>
-    <a:masterClrMapping/>
-  </p:clrMapOvr>
-</p:sld>
-</file>
-
-<file path=ppt/slides/slide9.xml><?xml version="1.0" encoding="utf-8"?>
-<p:sld xmlns:a="http://schemas.openxmlformats.org/drawingml/2006/main" xmlns:r="http://schemas.openxmlformats.org/officeDocument/2006/relationships" xmlns:p="http://schemas.openxmlformats.org/presentationml/2006/main">
-  <p:cSld>
-    <p:spTree>
-      <p:nvGrpSpPr>
-        <p:cNvPr id="1" name=""/>
-        <p:cNvGrpSpPr/>
-        <p:nvPr/>
-      </p:nvGrpSpPr>
-      <p:grpSpPr>
-        <a:xfrm>
-          <a:off x="0" y="0"/>
-          <a:ext cx="0" cy="0"/>
-          <a:chOff x="0" y="0"/>
-          <a:chExt cx="0" cy="0"/>
-        </a:xfrm>
-      </p:grpSpPr>
-      <p:sp>
-        <p:nvSpPr>
-          <p:cNvPr id="2" name="标题 1"/>
-          <p:cNvSpPr>
-            <a:spLocks noGrp="1"/>
-          </p:cNvSpPr>
-          <p:nvPr>
-            <p:ph type="title"/>
-          </p:nvPr>
-        </p:nvSpPr>
-        <p:spPr/>
-        <p:txBody>
-          <a:bodyPr/>
-          <a:lstStyle/>
-          <a:p>
-            <a:r>
-              <a:rPr lang="en-US" altLang="zh-CN" dirty="0"/>
-              <a:t>Baseline model’s </a:t>
-            </a:r>
-            <a:r>
-              <a:rPr lang="en-US" altLang="zh-CN" dirty="0" err="1"/>
-              <a:t>shotcommings</a:t>
-            </a:r>
-            <a:r>
-              <a:rPr lang="en-US" altLang="zh-CN" dirty="0"/>
-              <a:t> </a:t>
-            </a:r>
-            <a:r>
-              <a:rPr lang="zh-CN" altLang="en-US" dirty="0" smtClean="0"/>
-              <a:t>（</a:t>
-            </a:r>
-            <a:r>
-              <a:rPr lang="en-US" altLang="zh-CN" dirty="0" smtClean="0"/>
-              <a:t>2</a:t>
-            </a:r>
-            <a:r>
-              <a:rPr lang="zh-CN" altLang="en-US" dirty="0" smtClean="0"/>
-              <a:t>）</a:t>
-            </a:r>
-            <a:endParaRPr lang="zh-CN" altLang="en-US" dirty="0"/>
-          </a:p>
-        </p:txBody>
-      </p:sp>
-      <p:sp>
-        <p:nvSpPr>
-          <p:cNvPr id="3" name="内容占位符 2"/>
-          <p:cNvSpPr>
-            <a:spLocks noGrp="1"/>
-          </p:cNvSpPr>
-          <p:nvPr>
-            <p:ph idx="1"/>
-          </p:nvPr>
-        </p:nvSpPr>
-        <p:spPr/>
-        <p:txBody>
-          <a:bodyPr/>
-          <a:lstStyle/>
-          <a:p>
-            <a:r>
-              <a:rPr lang="en-US" altLang="zh-CN" dirty="0" smtClean="0"/>
-              <a:t>Baseline model simply merge the character into script text,  while the character is the key role to the prediction.</a:t>
-            </a:r>
-            <a:endParaRPr lang="zh-CN" altLang="en-US" dirty="0"/>
-          </a:p>
-        </p:txBody>
-      </p:sp>
-      <p:pic>
-        <p:nvPicPr>
-          <p:cNvPr id="4" name="图片 3"/>
-          <p:cNvPicPr>
-            <a:picLocks noChangeAspect="1"/>
-          </p:cNvPicPr>
-          <p:nvPr/>
-        </p:nvPicPr>
-        <p:blipFill>
-          <a:blip r:embed="rId2">
-            <a:extLst>
-              <a:ext uri="{28A0092B-C50C-407E-A947-70E740481C1C}">
-                <a14:useLocalDpi xmlns:a14="http://schemas.microsoft.com/office/drawing/2010/main" val="0"/>
-              </a:ext>
-            </a:extLst>
-          </a:blip>
-          <a:stretch>
-            <a:fillRect/>
-          </a:stretch>
-        </p:blipFill>
-        <p:spPr>
-          <a:xfrm>
-            <a:off x="1905457" y="2943906"/>
-            <a:ext cx="8085521" cy="2522439"/>
-          </a:xfrm>
-          <a:prstGeom prst="rect">
-            <a:avLst/>
-          </a:prstGeom>
-        </p:spPr>
-      </p:pic>
-    </p:spTree>
-    <p:extLst>
-      <p:ext uri="{BB962C8B-B14F-4D97-AF65-F5344CB8AC3E}">
-        <p14:creationId xmlns:p14="http://schemas.microsoft.com/office/powerpoint/2010/main" val="1939827053"/>
-      </p:ext>
-    </p:extLst>
-  </p:cSld>
-  <p:clrMapOvr>
-    <a:masterClrMapping/>
-  </p:clrMapOvr>
+  <p:timing>
+    <p:tnLst>
+      <p:par>
+        <p:cTn id="1" dur="indefinite" restart="never" nodeType="tmRoot">
+          <p:childTnLst>
+            <p:seq concurrent="1" nextAc="seek">
+              <p:cTn id="2" dur="indefinite" nodeType="mainSeq">
+                <p:childTnLst>
+                  <p:par>
+                    <p:cTn id="3" fill="hold">
+                      <p:stCondLst>
+                        <p:cond delay="indefinite"/>
+                      </p:stCondLst>
+                      <p:childTnLst>
+                        <p:par>
+                          <p:cTn id="4" fill="hold">
+                            <p:stCondLst>
+                              <p:cond delay="0"/>
+                            </p:stCondLst>
+                            <p:childTnLst>
+                              <p:par>
+                                <p:cTn id="5" presetID="14" presetClass="entr" presetSubtype="10" fill="hold" nodeType="clickEffect">
+                                  <p:stCondLst>
+                                    <p:cond delay="0"/>
+                                  </p:stCondLst>
+                                  <p:childTnLst>
+                                    <p:set>
+                                      <p:cBhvr>
+                                        <p:cTn id="6" dur="1" fill="hold">
+                                          <p:stCondLst>
+                                            <p:cond delay="0"/>
+                                          </p:stCondLst>
+                                        </p:cTn>
+                                        <p:tgtEl>
+                                          <p:spTgt spid="5"/>
+                                        </p:tgtEl>
+                                        <p:attrNameLst>
+                                          <p:attrName>style.visibility</p:attrName>
+                                        </p:attrNameLst>
+                                      </p:cBhvr>
+                                      <p:to>
+                                        <p:strVal val="visible"/>
+                                      </p:to>
+                                    </p:set>
+                                    <p:animEffect transition="in" filter="randombar(horizontal)">
+                                      <p:cBhvr>
+                                        <p:cTn id="7" dur="500"/>
+                                        <p:tgtEl>
+                                          <p:spTgt spid="5"/>
+                                        </p:tgtEl>
+                                      </p:cBhvr>
+                                    </p:animEffect>
+                                  </p:childTnLst>
+                                </p:cTn>
+                              </p:par>
+                            </p:childTnLst>
+                          </p:cTn>
+                        </p:par>
+                      </p:childTnLst>
+                    </p:cTn>
+                  </p:par>
+                </p:childTnLst>
+              </p:cTn>
+              <p:prevCondLst>
+                <p:cond evt="onPrev" delay="0">
+                  <p:tgtEl>
+                    <p:sldTgt/>
+                  </p:tgtEl>
+                </p:cond>
+              </p:prevCondLst>
+              <p:nextCondLst>
+                <p:cond evt="onNext" delay="0">
+                  <p:tgtEl>
+                    <p:sldTgt/>
+                  </p:tgtEl>
+                </p:cond>
+              </p:nextCondLst>
+            </p:seq>
+          </p:childTnLst>
+        </p:cTn>
+      </p:par>
+    </p:tnLst>
+  </p:timing>
 </p:sld>
 </file>
 
